--- a/FIFA_2018.pptx
+++ b/FIFA_2018.pptx
@@ -6,13 +6,19 @@
   </p:sldMasterIdLst>
   <p:sldIdLst>
     <p:sldId id="256" r:id="rId2"/>
-    <p:sldId id="257" r:id="rId3"/>
-    <p:sldId id="258" r:id="rId4"/>
-    <p:sldId id="259" r:id="rId5"/>
-    <p:sldId id="260" r:id="rId6"/>
-    <p:sldId id="261" r:id="rId7"/>
-    <p:sldId id="262" r:id="rId8"/>
-    <p:sldId id="263" r:id="rId9"/>
+    <p:sldId id="264" r:id="rId3"/>
+    <p:sldId id="265" r:id="rId4"/>
+    <p:sldId id="267" r:id="rId5"/>
+    <p:sldId id="268" r:id="rId6"/>
+    <p:sldId id="266" r:id="rId7"/>
+    <p:sldId id="269" r:id="rId8"/>
+    <p:sldId id="272" r:id="rId9"/>
+    <p:sldId id="270" r:id="rId10"/>
+    <p:sldId id="271" r:id="rId11"/>
+    <p:sldId id="273" r:id="rId12"/>
+    <p:sldId id="276" r:id="rId13"/>
+    <p:sldId id="275" r:id="rId14"/>
+    <p:sldId id="277" r:id="rId15"/>
   </p:sldIdLst>
   <p:sldSz cx="12192000" cy="6858000"/>
   <p:notesSz cx="6858000" cy="9144000"/>
@@ -120,7 +126,7 @@
 </file>
 
 <file path=ppt/slideLayouts/slideLayout1.xml><?xml version="1.0" encoding="utf-8"?>
-<p:sldLayout xmlns:a="http://schemas.openxmlformats.org/drawingml/2006/main" xmlns:r="http://schemas.openxmlformats.org/officeDocument/2006/relationships" xmlns:p="http://schemas.openxmlformats.org/presentationml/2006/main" showMasterSp="0" type="title" preserve="1">
+<p:sldLayout xmlns:a="http://schemas.openxmlformats.org/drawingml/2006/main" xmlns:r="http://schemas.openxmlformats.org/officeDocument/2006/relationships" xmlns:p="http://schemas.openxmlformats.org/presentationml/2006/main" type="title" preserve="1">
   <p:cSld name="Title Slide">
     <p:spTree>
       <p:nvGrpSpPr>
@@ -174,8 +180,8 @@
         </p:nvSpPr>
         <p:spPr>
           <a:xfrm>
-            <a:off x="-15875" y="0"/>
-            <a:ext cx="11683810" cy="6588125"/>
+            <a:off x="-15876" y="2"/>
+            <a:ext cx="11683811" cy="6588125"/>
           </a:xfrm>
           <a:custGeom>
             <a:avLst/>
@@ -240,7 +246,7 @@
         </p:nvSpPr>
         <p:spPr>
           <a:xfrm>
-            <a:off x="0" y="4282257"/>
+            <a:off x="1" y="4282259"/>
             <a:ext cx="11329257" cy="2028845"/>
           </a:xfrm>
           <a:custGeom>
@@ -313,7 +319,7 @@
         </p:nvSpPr>
         <p:spPr>
           <a:xfrm>
-            <a:off x="0" y="0"/>
+            <a:off x="1" y="2"/>
             <a:ext cx="8719579" cy="456877"/>
           </a:xfrm>
           <a:custGeom>
@@ -383,7 +389,7 @@
         </p:nvSpPr>
         <p:spPr>
           <a:xfrm rot="21420000">
-            <a:off x="-161800" y="293317"/>
+            <a:off x="-161799" y="293317"/>
             <a:ext cx="11367116" cy="5751804"/>
           </a:xfrm>
           <a:custGeom>
@@ -479,7 +485,7 @@
         </p:nvSpPr>
         <p:spPr>
           <a:xfrm rot="21420000">
-            <a:off x="983062" y="3505209"/>
+            <a:off x="983063" y="3505211"/>
             <a:ext cx="9755187" cy="550333"/>
           </a:xfrm>
         </p:spPr>
@@ -498,35 +504,35 @@
                 </a:solidFill>
               </a:defRPr>
             </a:lvl1pPr>
-            <a:lvl2pPr marL="457200" indent="0" algn="ctr">
+            <a:lvl2pPr marL="457189" indent="0" algn="ctr">
               <a:buNone/>
               <a:defRPr sz="2000"/>
             </a:lvl2pPr>
-            <a:lvl3pPr marL="914400" indent="0" algn="ctr">
+            <a:lvl3pPr marL="914377" indent="0" algn="ctr">
               <a:buNone/>
               <a:defRPr sz="1800"/>
             </a:lvl3pPr>
-            <a:lvl4pPr marL="1371600" indent="0" algn="ctr">
+            <a:lvl4pPr marL="1371566" indent="0" algn="ctr">
               <a:buNone/>
               <a:defRPr sz="1600"/>
             </a:lvl4pPr>
-            <a:lvl5pPr marL="1828800" indent="0" algn="ctr">
+            <a:lvl5pPr marL="1828754" indent="0" algn="ctr">
               <a:buNone/>
               <a:defRPr sz="1600"/>
             </a:lvl5pPr>
-            <a:lvl6pPr marL="2286000" indent="0" algn="ctr">
+            <a:lvl6pPr marL="2285943" indent="0" algn="ctr">
               <a:buNone/>
               <a:defRPr sz="1600"/>
             </a:lvl6pPr>
-            <a:lvl7pPr marL="2743200" indent="0" algn="ctr">
+            <a:lvl7pPr marL="2743131" indent="0" algn="ctr">
               <a:buNone/>
               <a:defRPr sz="1600"/>
             </a:lvl7pPr>
-            <a:lvl8pPr marL="3200400" indent="0" algn="ctr">
+            <a:lvl8pPr marL="3200320" indent="0" algn="ctr">
               <a:buNone/>
               <a:defRPr sz="1600"/>
             </a:lvl8pPr>
-            <a:lvl9pPr marL="3657600" indent="0" algn="ctr">
+            <a:lvl9pPr marL="3657509" indent="0" algn="ctr">
               <a:buNone/>
               <a:defRPr sz="1600"/>
             </a:lvl9pPr>
@@ -552,7 +558,7 @@
         </p:nvSpPr>
         <p:spPr>
           <a:xfrm rot="21420000">
-            <a:off x="4948541" y="4578463"/>
+            <a:off x="4948542" y="4578463"/>
             <a:ext cx="6143653" cy="1163112"/>
           </a:xfrm>
         </p:spPr>
@@ -590,7 +596,7 @@
         </p:nvSpPr>
         <p:spPr>
           <a:xfrm rot="21420000">
-            <a:off x="-5560" y="4883024"/>
+            <a:off x="-5559" y="4883024"/>
             <a:ext cx="4047239" cy="1195538"/>
           </a:xfrm>
         </p:spPr>
@@ -618,8 +624,8 @@
         </p:nvSpPr>
         <p:spPr>
           <a:xfrm rot="21420000">
-            <a:off x="9851758" y="3832648"/>
-            <a:ext cx="907186" cy="498470"/>
+            <a:off x="9851757" y="3832648"/>
+            <a:ext cx="907187" cy="498470"/>
           </a:xfrm>
         </p:spPr>
         <p:txBody>
@@ -655,7 +661,7 @@
         <p:spPr>
           <a:xfrm rot="21420000">
             <a:off x="4221385" y="5111356"/>
-            <a:ext cx="515386" cy="515386"/>
+            <a:ext cx="515387" cy="515386"/>
           </a:xfrm>
           <a:prstGeom prst="star5">
             <a:avLst>
@@ -725,7 +731,7 @@
         </p:nvSpPr>
         <p:spPr>
           <a:xfrm>
-            <a:off x="685800" y="4106333"/>
+            <a:off x="685801" y="4106333"/>
             <a:ext cx="10394708" cy="588846"/>
           </a:xfrm>
         </p:spPr>
@@ -757,7 +763,7 @@
         </p:nvSpPr>
         <p:spPr>
           <a:xfrm>
-            <a:off x="685801" y="685799"/>
+            <a:off x="685802" y="685801"/>
             <a:ext cx="10392513" cy="3194903"/>
           </a:xfrm>
           <a:ln w="57150" cmpd="thinThick">
@@ -776,35 +782,35 @@
               <a:buNone/>
               <a:defRPr sz="3200"/>
             </a:lvl1pPr>
-            <a:lvl2pPr marL="457200" indent="0">
+            <a:lvl2pPr marL="457189" indent="0">
               <a:buNone/>
               <a:defRPr sz="2800"/>
             </a:lvl2pPr>
-            <a:lvl3pPr marL="914400" indent="0">
+            <a:lvl3pPr marL="914377" indent="0">
               <a:buNone/>
               <a:defRPr sz="2400"/>
             </a:lvl3pPr>
-            <a:lvl4pPr marL="1371600" indent="0">
+            <a:lvl4pPr marL="1371566" indent="0">
               <a:buNone/>
               <a:defRPr sz="2000"/>
             </a:lvl4pPr>
-            <a:lvl5pPr marL="1828800" indent="0">
+            <a:lvl5pPr marL="1828754" indent="0">
               <a:buNone/>
               <a:defRPr sz="2000"/>
             </a:lvl5pPr>
-            <a:lvl6pPr marL="2286000" indent="0">
+            <a:lvl6pPr marL="2285943" indent="0">
               <a:buNone/>
               <a:defRPr sz="2000"/>
             </a:lvl6pPr>
-            <a:lvl7pPr marL="2743200" indent="0">
+            <a:lvl7pPr marL="2743131" indent="0">
               <a:buNone/>
               <a:defRPr sz="2000"/>
             </a:lvl7pPr>
-            <a:lvl8pPr marL="3200400" indent="0">
+            <a:lvl8pPr marL="3200320" indent="0">
               <a:buNone/>
               <a:defRPr sz="2000"/>
             </a:lvl8pPr>
-            <a:lvl9pPr marL="3657600" indent="0">
+            <a:lvl9pPr marL="3657509" indent="0">
               <a:buNone/>
               <a:defRPr sz="2000"/>
             </a:lvl9pPr>
@@ -841,35 +847,35 @@
               <a:buNone/>
               <a:defRPr sz="1600"/>
             </a:lvl1pPr>
-            <a:lvl2pPr marL="457200" indent="0">
+            <a:lvl2pPr marL="457189" indent="0">
               <a:buNone/>
               <a:defRPr sz="1400"/>
             </a:lvl2pPr>
-            <a:lvl3pPr marL="914400" indent="0">
+            <a:lvl3pPr marL="914377" indent="0">
               <a:buNone/>
               <a:defRPr sz="1200"/>
             </a:lvl3pPr>
-            <a:lvl4pPr marL="1371600" indent="0">
+            <a:lvl4pPr marL="1371566" indent="0">
               <a:buNone/>
               <a:defRPr sz="1000"/>
             </a:lvl4pPr>
-            <a:lvl5pPr marL="1828800" indent="0">
+            <a:lvl5pPr marL="1828754" indent="0">
               <a:buNone/>
               <a:defRPr sz="1000"/>
             </a:lvl5pPr>
-            <a:lvl6pPr marL="2286000" indent="0">
+            <a:lvl6pPr marL="2285943" indent="0">
               <a:buNone/>
               <a:defRPr sz="1000"/>
             </a:lvl6pPr>
-            <a:lvl7pPr marL="2743200" indent="0">
+            <a:lvl7pPr marL="2743131" indent="0">
               <a:buNone/>
               <a:defRPr sz="1000"/>
             </a:lvl7pPr>
-            <a:lvl8pPr marL="3200400" indent="0">
+            <a:lvl8pPr marL="3200320" indent="0">
               <a:buNone/>
               <a:defRPr sz="1000"/>
             </a:lvl8pPr>
-            <a:lvl9pPr marL="3657600" indent="0">
+            <a:lvl9pPr marL="3657509" indent="0">
               <a:buNone/>
               <a:defRPr sz="1000"/>
             </a:lvl9pPr>
@@ -985,8 +991,8 @@
         </p:nvSpPr>
         <p:spPr>
           <a:xfrm>
-            <a:off x="685801" y="685800"/>
-            <a:ext cx="10396902" cy="3194903"/>
+            <a:off x="685802" y="685802"/>
+            <a:ext cx="10396903" cy="3194903"/>
           </a:xfrm>
         </p:spPr>
         <p:txBody>
@@ -1019,7 +1025,7 @@
         </p:nvSpPr>
         <p:spPr>
           <a:xfrm>
-            <a:off x="685779" y="4106333"/>
+            <a:off x="685781" y="4106333"/>
             <a:ext cx="10394729" cy="1273606"/>
           </a:xfrm>
         </p:spPr>
@@ -1032,35 +1038,35 @@
               <a:buNone/>
               <a:defRPr sz="1800"/>
             </a:lvl1pPr>
-            <a:lvl2pPr marL="457200" indent="0">
+            <a:lvl2pPr marL="457189" indent="0">
               <a:buNone/>
               <a:defRPr sz="1400"/>
             </a:lvl2pPr>
-            <a:lvl3pPr marL="914400" indent="0">
+            <a:lvl3pPr marL="914377" indent="0">
               <a:buNone/>
               <a:defRPr sz="1200"/>
             </a:lvl3pPr>
-            <a:lvl4pPr marL="1371600" indent="0">
+            <a:lvl4pPr marL="1371566" indent="0">
               <a:buNone/>
               <a:defRPr sz="1000"/>
             </a:lvl4pPr>
-            <a:lvl5pPr marL="1828800" indent="0">
+            <a:lvl5pPr marL="1828754" indent="0">
               <a:buNone/>
               <a:defRPr sz="1000"/>
             </a:lvl5pPr>
-            <a:lvl6pPr marL="2286000" indent="0">
+            <a:lvl6pPr marL="2285943" indent="0">
               <a:buNone/>
               <a:defRPr sz="1000"/>
             </a:lvl6pPr>
-            <a:lvl7pPr marL="2743200" indent="0">
+            <a:lvl7pPr marL="2743131" indent="0">
               <a:buNone/>
               <a:defRPr sz="1000"/>
             </a:lvl7pPr>
-            <a:lvl8pPr marL="3200400" indent="0">
+            <a:lvl8pPr marL="3200320" indent="0">
               <a:buNone/>
               <a:defRPr sz="1000"/>
             </a:lvl8pPr>
-            <a:lvl9pPr marL="3657600" indent="0">
+            <a:lvl9pPr marL="3657509" indent="0">
               <a:buNone/>
               <a:defRPr sz="1000"/>
             </a:lvl9pPr>
@@ -1176,7 +1182,7 @@
         </p:nvSpPr>
         <p:spPr>
           <a:xfrm>
-            <a:off x="1121732" y="685800"/>
+            <a:off x="1121733" y="685800"/>
             <a:ext cx="9525020" cy="2916704"/>
           </a:xfrm>
         </p:spPr>
@@ -1210,7 +1216,7 @@
         </p:nvSpPr>
         <p:spPr>
           <a:xfrm>
-            <a:off x="1550264" y="3610032"/>
+            <a:off x="1550265" y="3610032"/>
             <a:ext cx="8667956" cy="377768"/>
           </a:xfrm>
         </p:spPr>
@@ -1230,35 +1236,35 @@
                 </a:solidFill>
               </a:defRPr>
             </a:lvl1pPr>
-            <a:lvl2pPr marL="457200" indent="0">
+            <a:lvl2pPr marL="457189" indent="0">
               <a:buNone/>
               <a:defRPr sz="1400"/>
             </a:lvl2pPr>
-            <a:lvl3pPr marL="914400" indent="0">
+            <a:lvl3pPr marL="914377" indent="0">
               <a:buNone/>
               <a:defRPr sz="1200"/>
             </a:lvl3pPr>
-            <a:lvl4pPr marL="1371600" indent="0">
+            <a:lvl4pPr marL="1371566" indent="0">
               <a:buNone/>
               <a:defRPr sz="1000"/>
             </a:lvl4pPr>
-            <a:lvl5pPr marL="1828800" indent="0">
+            <a:lvl5pPr marL="1828754" indent="0">
               <a:buNone/>
               <a:defRPr sz="1000"/>
             </a:lvl5pPr>
-            <a:lvl6pPr marL="2286000" indent="0">
+            <a:lvl6pPr marL="2285943" indent="0">
               <a:buNone/>
               <a:defRPr sz="1000"/>
             </a:lvl6pPr>
-            <a:lvl7pPr marL="2743200" indent="0">
+            <a:lvl7pPr marL="2743131" indent="0">
               <a:buNone/>
               <a:defRPr sz="1000"/>
             </a:lvl7pPr>
-            <a:lvl8pPr marL="3200400" indent="0">
+            <a:lvl8pPr marL="3200320" indent="0">
               <a:buNone/>
               <a:defRPr sz="1000"/>
             </a:lvl8pPr>
-            <a:lvl9pPr marL="3657600" indent="0">
+            <a:lvl9pPr marL="3657509" indent="0">
               <a:buNone/>
               <a:defRPr sz="1000"/>
             </a:lvl9pPr>
@@ -1285,7 +1291,7 @@
         <p:spPr>
           <a:xfrm>
             <a:off x="685801" y="4106334"/>
-            <a:ext cx="10396882" cy="1268252"/>
+            <a:ext cx="10396883" cy="1268252"/>
           </a:xfrm>
         </p:spPr>
         <p:txBody>
@@ -1297,35 +1303,35 @@
               <a:buNone/>
               <a:defRPr sz="1800"/>
             </a:lvl1pPr>
-            <a:lvl2pPr marL="457200" indent="0">
+            <a:lvl2pPr marL="457189" indent="0">
               <a:buNone/>
               <a:defRPr sz="1400"/>
             </a:lvl2pPr>
-            <a:lvl3pPr marL="914400" indent="0">
+            <a:lvl3pPr marL="914377" indent="0">
               <a:buNone/>
               <a:defRPr sz="1200"/>
             </a:lvl3pPr>
-            <a:lvl4pPr marL="1371600" indent="0">
+            <a:lvl4pPr marL="1371566" indent="0">
               <a:buNone/>
               <a:defRPr sz="1000"/>
             </a:lvl4pPr>
-            <a:lvl5pPr marL="1828800" indent="0">
+            <a:lvl5pPr marL="1828754" indent="0">
               <a:buNone/>
               <a:defRPr sz="1000"/>
             </a:lvl5pPr>
-            <a:lvl6pPr marL="2286000" indent="0">
+            <a:lvl6pPr marL="2285943" indent="0">
               <a:buNone/>
               <a:defRPr sz="1000"/>
             </a:lvl6pPr>
-            <a:lvl7pPr marL="2743200" indent="0">
+            <a:lvl7pPr marL="2743131" indent="0">
               <a:buNone/>
               <a:defRPr sz="1000"/>
             </a:lvl7pPr>
-            <a:lvl8pPr marL="3200400" indent="0">
+            <a:lvl8pPr marL="3200320" indent="0">
               <a:buNone/>
               <a:defRPr sz="1000"/>
             </a:lvl8pPr>
-            <a:lvl9pPr marL="3657600" indent="0">
+            <a:lvl9pPr marL="3657509" indent="0">
               <a:buNone/>
               <a:defRPr sz="1000"/>
             </a:lvl9pPr>
@@ -1673,7 +1679,7 @@
         </p:nvSpPr>
         <p:spPr>
           <a:xfrm>
-            <a:off x="685800" y="1723854"/>
+            <a:off x="685801" y="1723856"/>
             <a:ext cx="10394707" cy="2511835"/>
           </a:xfrm>
         </p:spPr>
@@ -1707,7 +1713,7 @@
         </p:nvSpPr>
         <p:spPr>
           <a:xfrm>
-            <a:off x="685800" y="4247468"/>
+            <a:off x="685801" y="4247468"/>
             <a:ext cx="10394707" cy="1140644"/>
           </a:xfrm>
         </p:spPr>
@@ -1720,35 +1726,35 @@
               <a:buNone/>
               <a:defRPr sz="1800"/>
             </a:lvl1pPr>
-            <a:lvl2pPr marL="457200" indent="0">
+            <a:lvl2pPr marL="457189" indent="0">
               <a:buNone/>
               <a:defRPr sz="1400"/>
             </a:lvl2pPr>
-            <a:lvl3pPr marL="914400" indent="0">
+            <a:lvl3pPr marL="914377" indent="0">
               <a:buNone/>
               <a:defRPr sz="1200"/>
             </a:lvl3pPr>
-            <a:lvl4pPr marL="1371600" indent="0">
+            <a:lvl4pPr marL="1371566" indent="0">
               <a:buNone/>
               <a:defRPr sz="1000"/>
             </a:lvl4pPr>
-            <a:lvl5pPr marL="1828800" indent="0">
+            <a:lvl5pPr marL="1828754" indent="0">
               <a:buNone/>
               <a:defRPr sz="1000"/>
             </a:lvl5pPr>
-            <a:lvl6pPr marL="2286000" indent="0">
+            <a:lvl6pPr marL="2285943" indent="0">
               <a:buNone/>
               <a:defRPr sz="1000"/>
             </a:lvl6pPr>
-            <a:lvl7pPr marL="2743200" indent="0">
+            <a:lvl7pPr marL="2743131" indent="0">
               <a:buNone/>
               <a:defRPr sz="1000"/>
             </a:lvl7pPr>
-            <a:lvl8pPr marL="3200400" indent="0">
+            <a:lvl8pPr marL="3200320" indent="0">
               <a:buNone/>
               <a:defRPr sz="1000"/>
             </a:lvl8pPr>
-            <a:lvl9pPr marL="3657600" indent="0">
+            <a:lvl9pPr marL="3657509" indent="0">
               <a:buNone/>
               <a:defRPr sz="1000"/>
             </a:lvl9pPr>
@@ -1864,8 +1870,8 @@
         </p:nvSpPr>
         <p:spPr>
           <a:xfrm>
-            <a:off x="685802" y="685800"/>
-            <a:ext cx="10394706" cy="1151965"/>
+            <a:off x="685801" y="685802"/>
+            <a:ext cx="10394707" cy="1151965"/>
           </a:xfrm>
         </p:spPr>
         <p:txBody>
@@ -1896,7 +1902,7 @@
         </p:nvSpPr>
         <p:spPr>
           <a:xfrm>
-            <a:off x="685802" y="2063395"/>
+            <a:off x="685803" y="2063395"/>
             <a:ext cx="3310128" cy="576262"/>
           </a:xfrm>
         </p:spPr>
@@ -1916,35 +1922,35 @@
                 </a:solidFill>
               </a:defRPr>
             </a:lvl1pPr>
-            <a:lvl2pPr marL="457200" indent="0">
+            <a:lvl2pPr marL="457189" indent="0">
               <a:buNone/>
               <a:defRPr sz="2000" b="1"/>
             </a:lvl2pPr>
-            <a:lvl3pPr marL="914400" indent="0">
+            <a:lvl3pPr marL="914377" indent="0">
               <a:buNone/>
               <a:defRPr sz="1800" b="1"/>
             </a:lvl3pPr>
-            <a:lvl4pPr marL="1371600" indent="0">
+            <a:lvl4pPr marL="1371566" indent="0">
               <a:buNone/>
               <a:defRPr sz="1600" b="1"/>
             </a:lvl4pPr>
-            <a:lvl5pPr marL="1828800" indent="0">
+            <a:lvl5pPr marL="1828754" indent="0">
               <a:buNone/>
               <a:defRPr sz="1600" b="1"/>
             </a:lvl5pPr>
-            <a:lvl6pPr marL="2286000" indent="0">
+            <a:lvl6pPr marL="2285943" indent="0">
               <a:buNone/>
               <a:defRPr sz="1600" b="1"/>
             </a:lvl6pPr>
-            <a:lvl7pPr marL="2743200" indent="0">
+            <a:lvl7pPr marL="2743131" indent="0">
               <a:buNone/>
               <a:defRPr sz="1600" b="1"/>
             </a:lvl7pPr>
-            <a:lvl8pPr marL="3200400" indent="0">
+            <a:lvl8pPr marL="3200320" indent="0">
               <a:buNone/>
               <a:defRPr sz="1600" b="1"/>
             </a:lvl8pPr>
-            <a:lvl9pPr marL="3657600" indent="0">
+            <a:lvl9pPr marL="3657509" indent="0">
               <a:buNone/>
               <a:defRPr sz="1600" b="1"/>
             </a:lvl9pPr>
@@ -1970,7 +1976,7 @@
         </p:nvSpPr>
         <p:spPr>
           <a:xfrm>
-            <a:off x="685802" y="2639658"/>
+            <a:off x="685803" y="2639658"/>
             <a:ext cx="3310128" cy="2734928"/>
           </a:xfrm>
         </p:spPr>
@@ -1983,35 +1989,35 @@
               <a:buNone/>
               <a:defRPr sz="1400"/>
             </a:lvl1pPr>
-            <a:lvl2pPr marL="457200" indent="0">
+            <a:lvl2pPr marL="457189" indent="0">
               <a:buNone/>
               <a:defRPr sz="1200"/>
             </a:lvl2pPr>
-            <a:lvl3pPr marL="914400" indent="0">
+            <a:lvl3pPr marL="914377" indent="0">
               <a:buNone/>
               <a:defRPr sz="1000"/>
             </a:lvl3pPr>
-            <a:lvl4pPr marL="1371600" indent="0">
+            <a:lvl4pPr marL="1371566" indent="0">
               <a:buNone/>
               <a:defRPr sz="900"/>
             </a:lvl4pPr>
-            <a:lvl5pPr marL="1828800" indent="0">
+            <a:lvl5pPr marL="1828754" indent="0">
               <a:buNone/>
               <a:defRPr sz="900"/>
             </a:lvl5pPr>
-            <a:lvl6pPr marL="2286000" indent="0">
+            <a:lvl6pPr marL="2285943" indent="0">
               <a:buNone/>
               <a:defRPr sz="900"/>
             </a:lvl6pPr>
-            <a:lvl7pPr marL="2743200" indent="0">
+            <a:lvl7pPr marL="2743131" indent="0">
               <a:buNone/>
               <a:defRPr sz="900"/>
             </a:lvl7pPr>
-            <a:lvl8pPr marL="3200400" indent="0">
+            <a:lvl8pPr marL="3200320" indent="0">
               <a:buNone/>
               <a:defRPr sz="900"/>
             </a:lvl8pPr>
-            <a:lvl9pPr marL="3657600" indent="0">
+            <a:lvl9pPr marL="3657509" indent="0">
               <a:buNone/>
               <a:defRPr sz="900"/>
             </a:lvl9pPr>
@@ -2037,7 +2043,7 @@
         </p:nvSpPr>
         <p:spPr>
           <a:xfrm>
-            <a:off x="4234622" y="2063395"/>
+            <a:off x="4234623" y="2063395"/>
             <a:ext cx="3310128" cy="576262"/>
           </a:xfrm>
         </p:spPr>
@@ -2057,35 +2063,35 @@
                 </a:solidFill>
               </a:defRPr>
             </a:lvl1pPr>
-            <a:lvl2pPr marL="457200" indent="0">
+            <a:lvl2pPr marL="457189" indent="0">
               <a:buNone/>
               <a:defRPr sz="2000" b="1"/>
             </a:lvl2pPr>
-            <a:lvl3pPr marL="914400" indent="0">
+            <a:lvl3pPr marL="914377" indent="0">
               <a:buNone/>
               <a:defRPr sz="1800" b="1"/>
             </a:lvl3pPr>
-            <a:lvl4pPr marL="1371600" indent="0">
+            <a:lvl4pPr marL="1371566" indent="0">
               <a:buNone/>
               <a:defRPr sz="1600" b="1"/>
             </a:lvl4pPr>
-            <a:lvl5pPr marL="1828800" indent="0">
+            <a:lvl5pPr marL="1828754" indent="0">
               <a:buNone/>
               <a:defRPr sz="1600" b="1"/>
             </a:lvl5pPr>
-            <a:lvl6pPr marL="2286000" indent="0">
+            <a:lvl6pPr marL="2285943" indent="0">
               <a:buNone/>
               <a:defRPr sz="1600" b="1"/>
             </a:lvl6pPr>
-            <a:lvl7pPr marL="2743200" indent="0">
+            <a:lvl7pPr marL="2743131" indent="0">
               <a:buNone/>
               <a:defRPr sz="1600" b="1"/>
             </a:lvl7pPr>
-            <a:lvl8pPr marL="3200400" indent="0">
+            <a:lvl8pPr marL="3200320" indent="0">
               <a:buNone/>
               <a:defRPr sz="1600" b="1"/>
             </a:lvl8pPr>
-            <a:lvl9pPr marL="3657600" indent="0">
+            <a:lvl9pPr marL="3657509" indent="0">
               <a:buNone/>
               <a:defRPr sz="1600" b="1"/>
             </a:lvl9pPr>
@@ -2124,35 +2130,35 @@
               <a:buNone/>
               <a:defRPr sz="1400"/>
             </a:lvl1pPr>
-            <a:lvl2pPr marL="457200" indent="0">
+            <a:lvl2pPr marL="457189" indent="0">
               <a:buNone/>
               <a:defRPr sz="1200"/>
             </a:lvl2pPr>
-            <a:lvl3pPr marL="914400" indent="0">
+            <a:lvl3pPr marL="914377" indent="0">
               <a:buNone/>
               <a:defRPr sz="1000"/>
             </a:lvl3pPr>
-            <a:lvl4pPr marL="1371600" indent="0">
+            <a:lvl4pPr marL="1371566" indent="0">
               <a:buNone/>
               <a:defRPr sz="900"/>
             </a:lvl4pPr>
-            <a:lvl5pPr marL="1828800" indent="0">
+            <a:lvl5pPr marL="1828754" indent="0">
               <a:buNone/>
               <a:defRPr sz="900"/>
             </a:lvl5pPr>
-            <a:lvl6pPr marL="2286000" indent="0">
+            <a:lvl6pPr marL="2285943" indent="0">
               <a:buNone/>
               <a:defRPr sz="900"/>
             </a:lvl6pPr>
-            <a:lvl7pPr marL="2743200" indent="0">
+            <a:lvl7pPr marL="2743131" indent="0">
               <a:buNone/>
               <a:defRPr sz="900"/>
             </a:lvl7pPr>
-            <a:lvl8pPr marL="3200400" indent="0">
+            <a:lvl8pPr marL="3200320" indent="0">
               <a:buNone/>
               <a:defRPr sz="900"/>
             </a:lvl8pPr>
-            <a:lvl9pPr marL="3657600" indent="0">
+            <a:lvl9pPr marL="3657509" indent="0">
               <a:buNone/>
               <a:defRPr sz="900"/>
             </a:lvl9pPr>
@@ -2198,35 +2204,35 @@
                 </a:solidFill>
               </a:defRPr>
             </a:lvl1pPr>
-            <a:lvl2pPr marL="457200" indent="0">
+            <a:lvl2pPr marL="457189" indent="0">
               <a:buNone/>
               <a:defRPr sz="2000" b="1"/>
             </a:lvl2pPr>
-            <a:lvl3pPr marL="914400" indent="0">
+            <a:lvl3pPr marL="914377" indent="0">
               <a:buNone/>
               <a:defRPr sz="1800" b="1"/>
             </a:lvl3pPr>
-            <a:lvl4pPr marL="1371600" indent="0">
+            <a:lvl4pPr marL="1371566" indent="0">
               <a:buNone/>
               <a:defRPr sz="1600" b="1"/>
             </a:lvl4pPr>
-            <a:lvl5pPr marL="1828800" indent="0">
+            <a:lvl5pPr marL="1828754" indent="0">
               <a:buNone/>
               <a:defRPr sz="1600" b="1"/>
             </a:lvl5pPr>
-            <a:lvl6pPr marL="2286000" indent="0">
+            <a:lvl6pPr marL="2285943" indent="0">
               <a:buNone/>
               <a:defRPr sz="1600" b="1"/>
             </a:lvl6pPr>
-            <a:lvl7pPr marL="2743200" indent="0">
+            <a:lvl7pPr marL="2743131" indent="0">
               <a:buNone/>
               <a:defRPr sz="1600" b="1"/>
             </a:lvl7pPr>
-            <a:lvl8pPr marL="3200400" indent="0">
+            <a:lvl8pPr marL="3200320" indent="0">
               <a:buNone/>
               <a:defRPr sz="1600" b="1"/>
             </a:lvl8pPr>
-            <a:lvl9pPr marL="3657600" indent="0">
+            <a:lvl9pPr marL="3657509" indent="0">
               <a:buNone/>
               <a:defRPr sz="1600" b="1"/>
             </a:lvl9pPr>
@@ -2265,35 +2271,35 @@
               <a:buNone/>
               <a:defRPr sz="1400"/>
             </a:lvl1pPr>
-            <a:lvl2pPr marL="457200" indent="0">
+            <a:lvl2pPr marL="457189" indent="0">
               <a:buNone/>
               <a:defRPr sz="1200"/>
             </a:lvl2pPr>
-            <a:lvl3pPr marL="914400" indent="0">
+            <a:lvl3pPr marL="914377" indent="0">
               <a:buNone/>
               <a:defRPr sz="1000"/>
             </a:lvl3pPr>
-            <a:lvl4pPr marL="1371600" indent="0">
+            <a:lvl4pPr marL="1371566" indent="0">
               <a:buNone/>
               <a:defRPr sz="900"/>
             </a:lvl4pPr>
-            <a:lvl5pPr marL="1828800" indent="0">
+            <a:lvl5pPr marL="1828754" indent="0">
               <a:buNone/>
               <a:defRPr sz="900"/>
             </a:lvl5pPr>
-            <a:lvl6pPr marL="2286000" indent="0">
+            <a:lvl6pPr marL="2285943" indent="0">
               <a:buNone/>
               <a:defRPr sz="900"/>
             </a:lvl6pPr>
-            <a:lvl7pPr marL="2743200" indent="0">
+            <a:lvl7pPr marL="2743131" indent="0">
               <a:buNone/>
               <a:defRPr sz="900"/>
             </a:lvl7pPr>
-            <a:lvl8pPr marL="3200400" indent="0">
+            <a:lvl8pPr marL="3200320" indent="0">
               <a:buNone/>
               <a:defRPr sz="900"/>
             </a:lvl8pPr>
-            <a:lvl9pPr marL="3657600" indent="0">
+            <a:lvl9pPr marL="3657509" indent="0">
               <a:buNone/>
               <a:defRPr sz="900"/>
             </a:lvl9pPr>
@@ -2409,8 +2415,8 @@
         </p:nvSpPr>
         <p:spPr>
           <a:xfrm>
-            <a:off x="685801" y="685800"/>
-            <a:ext cx="10396882" cy="1151965"/>
+            <a:off x="685801" y="685802"/>
+            <a:ext cx="10396883" cy="1151965"/>
           </a:xfrm>
         </p:spPr>
         <p:txBody>
@@ -2461,35 +2467,35 @@
                 </a:solidFill>
               </a:defRPr>
             </a:lvl1pPr>
-            <a:lvl2pPr marL="457200" indent="0">
+            <a:lvl2pPr marL="457189" indent="0">
               <a:buNone/>
               <a:defRPr sz="2000" b="1"/>
             </a:lvl2pPr>
-            <a:lvl3pPr marL="914400" indent="0">
+            <a:lvl3pPr marL="914377" indent="0">
               <a:buNone/>
               <a:defRPr sz="1800" b="1"/>
             </a:lvl3pPr>
-            <a:lvl4pPr marL="1371600" indent="0">
+            <a:lvl4pPr marL="1371566" indent="0">
               <a:buNone/>
               <a:defRPr sz="1600" b="1"/>
             </a:lvl4pPr>
-            <a:lvl5pPr marL="1828800" indent="0">
+            <a:lvl5pPr marL="1828754" indent="0">
               <a:buNone/>
               <a:defRPr sz="1600" b="1"/>
             </a:lvl5pPr>
-            <a:lvl6pPr marL="2286000" indent="0">
+            <a:lvl6pPr marL="2285943" indent="0">
               <a:buNone/>
               <a:defRPr sz="1600" b="1"/>
             </a:lvl6pPr>
-            <a:lvl7pPr marL="2743200" indent="0">
+            <a:lvl7pPr marL="2743131" indent="0">
               <a:buNone/>
               <a:defRPr sz="1600" b="1"/>
             </a:lvl7pPr>
-            <a:lvl8pPr marL="3200400" indent="0">
+            <a:lvl8pPr marL="3200320" indent="0">
               <a:buNone/>
               <a:defRPr sz="1600" b="1"/>
             </a:lvl8pPr>
-            <a:lvl9pPr marL="3657600" indent="0">
+            <a:lvl9pPr marL="3657509" indent="0">
               <a:buNone/>
               <a:defRPr sz="1600" b="1"/>
             </a:lvl9pPr>
@@ -2515,7 +2521,7 @@
         </p:nvSpPr>
         <p:spPr>
           <a:xfrm>
-            <a:off x="685780" y="2063395"/>
+            <a:off x="685780" y="2063397"/>
             <a:ext cx="3310128" cy="1536725"/>
           </a:xfrm>
           <a:prstGeom prst="roundRect">
@@ -2541,35 +2547,35 @@
               <a:buNone/>
               <a:defRPr sz="1600"/>
             </a:lvl1pPr>
-            <a:lvl2pPr marL="457200" indent="0">
+            <a:lvl2pPr marL="457189" indent="0">
               <a:buNone/>
               <a:defRPr sz="1600"/>
             </a:lvl2pPr>
-            <a:lvl3pPr marL="914400" indent="0">
+            <a:lvl3pPr marL="914377" indent="0">
               <a:buNone/>
               <a:defRPr sz="1600"/>
             </a:lvl3pPr>
-            <a:lvl4pPr marL="1371600" indent="0">
+            <a:lvl4pPr marL="1371566" indent="0">
               <a:buNone/>
               <a:defRPr sz="1600"/>
             </a:lvl4pPr>
-            <a:lvl5pPr marL="1828800" indent="0">
+            <a:lvl5pPr marL="1828754" indent="0">
               <a:buNone/>
               <a:defRPr sz="1600"/>
             </a:lvl5pPr>
-            <a:lvl6pPr marL="2286000" indent="0">
+            <a:lvl6pPr marL="2285943" indent="0">
               <a:buNone/>
               <a:defRPr sz="1600"/>
             </a:lvl6pPr>
-            <a:lvl7pPr marL="2743200" indent="0">
+            <a:lvl7pPr marL="2743131" indent="0">
               <a:buNone/>
               <a:defRPr sz="1600"/>
             </a:lvl7pPr>
-            <a:lvl8pPr marL="3200400" indent="0">
+            <a:lvl8pPr marL="3200320" indent="0">
               <a:buNone/>
               <a:defRPr sz="1600"/>
             </a:lvl8pPr>
-            <a:lvl9pPr marL="3657600" indent="0">
+            <a:lvl9pPr marL="3657509" indent="0">
               <a:buNone/>
               <a:defRPr sz="1600"/>
             </a:lvl9pPr>
@@ -2595,7 +2601,7 @@
         </p:nvSpPr>
         <p:spPr>
           <a:xfrm>
-            <a:off x="691840" y="4389287"/>
+            <a:off x="691840" y="4389289"/>
             <a:ext cx="3310128" cy="985299"/>
           </a:xfrm>
         </p:spPr>
@@ -2608,35 +2614,35 @@
               <a:buNone/>
               <a:defRPr sz="1400"/>
             </a:lvl1pPr>
-            <a:lvl2pPr marL="457200" indent="0">
+            <a:lvl2pPr marL="457189" indent="0">
               <a:buNone/>
               <a:defRPr sz="1200"/>
             </a:lvl2pPr>
-            <a:lvl3pPr marL="914400" indent="0">
+            <a:lvl3pPr marL="914377" indent="0">
               <a:buNone/>
               <a:defRPr sz="1000"/>
             </a:lvl3pPr>
-            <a:lvl4pPr marL="1371600" indent="0">
+            <a:lvl4pPr marL="1371566" indent="0">
               <a:buNone/>
               <a:defRPr sz="900"/>
             </a:lvl4pPr>
-            <a:lvl5pPr marL="1828800" indent="0">
+            <a:lvl5pPr marL="1828754" indent="0">
               <a:buNone/>
               <a:defRPr sz="900"/>
             </a:lvl5pPr>
-            <a:lvl6pPr marL="2286000" indent="0">
+            <a:lvl6pPr marL="2285943" indent="0">
               <a:buNone/>
               <a:defRPr sz="900"/>
             </a:lvl6pPr>
-            <a:lvl7pPr marL="2743200" indent="0">
+            <a:lvl7pPr marL="2743131" indent="0">
               <a:buNone/>
               <a:defRPr sz="900"/>
             </a:lvl7pPr>
-            <a:lvl8pPr marL="3200400" indent="0">
+            <a:lvl8pPr marL="3200320" indent="0">
               <a:buNone/>
               <a:defRPr sz="900"/>
             </a:lvl8pPr>
-            <a:lvl9pPr marL="3657600" indent="0">
+            <a:lvl9pPr marL="3657509" indent="0">
               <a:buNone/>
               <a:defRPr sz="900"/>
             </a:lvl9pPr>
@@ -2662,7 +2668,7 @@
         </p:nvSpPr>
         <p:spPr>
           <a:xfrm>
-            <a:off x="4237410" y="3813025"/>
+            <a:off x="4237411" y="3813025"/>
             <a:ext cx="3310128" cy="576262"/>
           </a:xfrm>
         </p:spPr>
@@ -2682,35 +2688,35 @@
                 </a:solidFill>
               </a:defRPr>
             </a:lvl1pPr>
-            <a:lvl2pPr marL="457200" indent="0">
+            <a:lvl2pPr marL="457189" indent="0">
               <a:buNone/>
               <a:defRPr sz="2000" b="1"/>
             </a:lvl2pPr>
-            <a:lvl3pPr marL="914400" indent="0">
+            <a:lvl3pPr marL="914377" indent="0">
               <a:buNone/>
               <a:defRPr sz="1800" b="1"/>
             </a:lvl3pPr>
-            <a:lvl4pPr marL="1371600" indent="0">
+            <a:lvl4pPr marL="1371566" indent="0">
               <a:buNone/>
               <a:defRPr sz="1600" b="1"/>
             </a:lvl4pPr>
-            <a:lvl5pPr marL="1828800" indent="0">
+            <a:lvl5pPr marL="1828754" indent="0">
               <a:buNone/>
               <a:defRPr sz="1600" b="1"/>
             </a:lvl5pPr>
-            <a:lvl6pPr marL="2286000" indent="0">
+            <a:lvl6pPr marL="2285943" indent="0">
               <a:buNone/>
               <a:defRPr sz="1600" b="1"/>
             </a:lvl6pPr>
-            <a:lvl7pPr marL="2743200" indent="0">
+            <a:lvl7pPr marL="2743131" indent="0">
               <a:buNone/>
               <a:defRPr sz="1600" b="1"/>
             </a:lvl7pPr>
-            <a:lvl8pPr marL="3200400" indent="0">
+            <a:lvl8pPr marL="3200320" indent="0">
               <a:buNone/>
               <a:defRPr sz="1600" b="1"/>
             </a:lvl8pPr>
-            <a:lvl9pPr marL="3657600" indent="0">
+            <a:lvl9pPr marL="3657509" indent="0">
               <a:buNone/>
               <a:defRPr sz="1600" b="1"/>
             </a:lvl9pPr>
@@ -2736,7 +2742,7 @@
         </p:nvSpPr>
         <p:spPr>
           <a:xfrm>
-            <a:off x="4235999" y="2063395"/>
+            <a:off x="4235999" y="2063397"/>
             <a:ext cx="3310128" cy="1535237"/>
           </a:xfrm>
           <a:prstGeom prst="roundRect">
@@ -2762,35 +2768,35 @@
               <a:buNone/>
               <a:defRPr sz="1600"/>
             </a:lvl1pPr>
-            <a:lvl2pPr marL="457200" indent="0">
+            <a:lvl2pPr marL="457189" indent="0">
               <a:buNone/>
               <a:defRPr sz="1600"/>
             </a:lvl2pPr>
-            <a:lvl3pPr marL="914400" indent="0">
+            <a:lvl3pPr marL="914377" indent="0">
               <a:buNone/>
               <a:defRPr sz="1600"/>
             </a:lvl3pPr>
-            <a:lvl4pPr marL="1371600" indent="0">
+            <a:lvl4pPr marL="1371566" indent="0">
               <a:buNone/>
               <a:defRPr sz="1600"/>
             </a:lvl4pPr>
-            <a:lvl5pPr marL="1828800" indent="0">
+            <a:lvl5pPr marL="1828754" indent="0">
               <a:buNone/>
               <a:defRPr sz="1600"/>
             </a:lvl5pPr>
-            <a:lvl6pPr marL="2286000" indent="0">
+            <a:lvl6pPr marL="2285943" indent="0">
               <a:buNone/>
               <a:defRPr sz="1600"/>
             </a:lvl6pPr>
-            <a:lvl7pPr marL="2743200" indent="0">
+            <a:lvl7pPr marL="2743131" indent="0">
               <a:buNone/>
               <a:defRPr sz="1600"/>
             </a:lvl7pPr>
-            <a:lvl8pPr marL="3200400" indent="0">
+            <a:lvl8pPr marL="3200320" indent="0">
               <a:buNone/>
               <a:defRPr sz="1600"/>
             </a:lvl8pPr>
-            <a:lvl9pPr marL="3657600" indent="0">
+            <a:lvl9pPr marL="3657509" indent="0">
               <a:buNone/>
               <a:defRPr sz="1600"/>
             </a:lvl9pPr>
@@ -2829,35 +2835,35 @@
               <a:buNone/>
               <a:defRPr sz="1400"/>
             </a:lvl1pPr>
-            <a:lvl2pPr marL="457200" indent="0">
+            <a:lvl2pPr marL="457189" indent="0">
               <a:buNone/>
               <a:defRPr sz="1200"/>
             </a:lvl2pPr>
-            <a:lvl3pPr marL="914400" indent="0">
+            <a:lvl3pPr marL="914377" indent="0">
               <a:buNone/>
               <a:defRPr sz="1000"/>
             </a:lvl3pPr>
-            <a:lvl4pPr marL="1371600" indent="0">
+            <a:lvl4pPr marL="1371566" indent="0">
               <a:buNone/>
               <a:defRPr sz="900"/>
             </a:lvl4pPr>
-            <a:lvl5pPr marL="1828800" indent="0">
+            <a:lvl5pPr marL="1828754" indent="0">
               <a:buNone/>
               <a:defRPr sz="900"/>
             </a:lvl5pPr>
-            <a:lvl6pPr marL="2286000" indent="0">
+            <a:lvl6pPr marL="2285943" indent="0">
               <a:buNone/>
               <a:defRPr sz="900"/>
             </a:lvl6pPr>
-            <a:lvl7pPr marL="2743200" indent="0">
+            <a:lvl7pPr marL="2743131" indent="0">
               <a:buNone/>
               <a:defRPr sz="900"/>
             </a:lvl7pPr>
-            <a:lvl8pPr marL="3200400" indent="0">
+            <a:lvl8pPr marL="3200320" indent="0">
               <a:buNone/>
               <a:defRPr sz="900"/>
             </a:lvl8pPr>
-            <a:lvl9pPr marL="3657600" indent="0">
+            <a:lvl9pPr marL="3657509" indent="0">
               <a:buNone/>
               <a:defRPr sz="900"/>
             </a:lvl9pPr>
@@ -2903,35 +2909,35 @@
                 </a:solidFill>
               </a:defRPr>
             </a:lvl1pPr>
-            <a:lvl2pPr marL="457200" indent="0">
+            <a:lvl2pPr marL="457189" indent="0">
               <a:buNone/>
               <a:defRPr sz="2000" b="1"/>
             </a:lvl2pPr>
-            <a:lvl3pPr marL="914400" indent="0">
+            <a:lvl3pPr marL="914377" indent="0">
               <a:buNone/>
               <a:defRPr sz="1800" b="1"/>
             </a:lvl3pPr>
-            <a:lvl4pPr marL="1371600" indent="0">
+            <a:lvl4pPr marL="1371566" indent="0">
               <a:buNone/>
               <a:defRPr sz="1600" b="1"/>
             </a:lvl4pPr>
-            <a:lvl5pPr marL="1828800" indent="0">
+            <a:lvl5pPr marL="1828754" indent="0">
               <a:buNone/>
               <a:defRPr sz="1600" b="1"/>
             </a:lvl5pPr>
-            <a:lvl6pPr marL="2286000" indent="0">
+            <a:lvl6pPr marL="2285943" indent="0">
               <a:buNone/>
               <a:defRPr sz="1600" b="1"/>
             </a:lvl6pPr>
-            <a:lvl7pPr marL="2743200" indent="0">
+            <a:lvl7pPr marL="2743131" indent="0">
               <a:buNone/>
               <a:defRPr sz="1600" b="1"/>
             </a:lvl7pPr>
-            <a:lvl8pPr marL="3200400" indent="0">
+            <a:lvl8pPr marL="3200320" indent="0">
               <a:buNone/>
               <a:defRPr sz="1600" b="1"/>
             </a:lvl8pPr>
-            <a:lvl9pPr marL="3657600" indent="0">
+            <a:lvl9pPr marL="3657509" indent="0">
               <a:buNone/>
               <a:defRPr sz="1600" b="1"/>
             </a:lvl9pPr>
@@ -2983,35 +2989,35 @@
               <a:buNone/>
               <a:defRPr sz="1600"/>
             </a:lvl1pPr>
-            <a:lvl2pPr marL="457200" indent="0">
+            <a:lvl2pPr marL="457189" indent="0">
               <a:buNone/>
               <a:defRPr sz="1600"/>
             </a:lvl2pPr>
-            <a:lvl3pPr marL="914400" indent="0">
+            <a:lvl3pPr marL="914377" indent="0">
               <a:buNone/>
               <a:defRPr sz="1600"/>
             </a:lvl3pPr>
-            <a:lvl4pPr marL="1371600" indent="0">
+            <a:lvl4pPr marL="1371566" indent="0">
               <a:buNone/>
               <a:defRPr sz="1600"/>
             </a:lvl4pPr>
-            <a:lvl5pPr marL="1828800" indent="0">
+            <a:lvl5pPr marL="1828754" indent="0">
               <a:buNone/>
               <a:defRPr sz="1600"/>
             </a:lvl5pPr>
-            <a:lvl6pPr marL="2286000" indent="0">
+            <a:lvl6pPr marL="2285943" indent="0">
               <a:buNone/>
               <a:defRPr sz="1600"/>
             </a:lvl6pPr>
-            <a:lvl7pPr marL="2743200" indent="0">
+            <a:lvl7pPr marL="2743131" indent="0">
               <a:buNone/>
               <a:defRPr sz="1600"/>
             </a:lvl7pPr>
-            <a:lvl8pPr marL="3200400" indent="0">
+            <a:lvl8pPr marL="3200320" indent="0">
               <a:buNone/>
               <a:defRPr sz="1600"/>
             </a:lvl8pPr>
-            <a:lvl9pPr marL="3657600" indent="0">
+            <a:lvl9pPr marL="3657509" indent="0">
               <a:buNone/>
               <a:defRPr sz="1600"/>
             </a:lvl9pPr>
@@ -3050,35 +3056,35 @@
               <a:buNone/>
               <a:defRPr sz="1400"/>
             </a:lvl1pPr>
-            <a:lvl2pPr marL="457200" indent="0">
+            <a:lvl2pPr marL="457189" indent="0">
               <a:buNone/>
               <a:defRPr sz="1200"/>
             </a:lvl2pPr>
-            <a:lvl3pPr marL="914400" indent="0">
+            <a:lvl3pPr marL="914377" indent="0">
               <a:buNone/>
               <a:defRPr sz="1000"/>
             </a:lvl3pPr>
-            <a:lvl4pPr marL="1371600" indent="0">
+            <a:lvl4pPr marL="1371566" indent="0">
               <a:buNone/>
               <a:defRPr sz="900"/>
             </a:lvl4pPr>
-            <a:lvl5pPr marL="1828800" indent="0">
+            <a:lvl5pPr marL="1828754" indent="0">
               <a:buNone/>
               <a:defRPr sz="900"/>
             </a:lvl5pPr>
-            <a:lvl6pPr marL="2286000" indent="0">
+            <a:lvl6pPr marL="2285943" indent="0">
               <a:buNone/>
               <a:defRPr sz="900"/>
             </a:lvl6pPr>
-            <a:lvl7pPr marL="2743200" indent="0">
+            <a:lvl7pPr marL="2743131" indent="0">
               <a:buNone/>
               <a:defRPr sz="900"/>
             </a:lvl7pPr>
-            <a:lvl8pPr marL="3200400" indent="0">
+            <a:lvl8pPr marL="3200320" indent="0">
               <a:buNone/>
               <a:defRPr sz="900"/>
             </a:lvl8pPr>
-            <a:lvl9pPr marL="3657600" indent="0">
+            <a:lvl9pPr marL="3657509" indent="0">
               <a:buNone/>
               <a:defRPr sz="900"/>
             </a:lvl9pPr>
@@ -3221,7 +3227,7 @@
         </p:nvSpPr>
         <p:spPr>
           <a:xfrm>
-            <a:off x="685800" y="2063396"/>
+            <a:off x="685801" y="2063396"/>
             <a:ext cx="10394707" cy="3311190"/>
           </a:xfrm>
         </p:spPr>
@@ -3368,8 +3374,8 @@
         </p:nvSpPr>
         <p:spPr>
           <a:xfrm>
-            <a:off x="8815862" y="685800"/>
-            <a:ext cx="2264646" cy="4688785"/>
+            <a:off x="8815862" y="685802"/>
+            <a:ext cx="2264647" cy="4688785"/>
           </a:xfrm>
         </p:spPr>
         <p:txBody>
@@ -3400,7 +3406,7 @@
         </p:nvSpPr>
         <p:spPr>
           <a:xfrm>
-            <a:off x="685800" y="685800"/>
+            <a:off x="685802" y="685802"/>
             <a:ext cx="7904431" cy="4688785"/>
           </a:xfrm>
         </p:spPr>
@@ -3570,7 +3576,7 @@
         </p:nvSpPr>
         <p:spPr>
           <a:xfrm>
-            <a:off x="685800" y="2063396"/>
+            <a:off x="685801" y="2063396"/>
             <a:ext cx="10394707" cy="3311189"/>
           </a:xfrm>
         </p:spPr>
@@ -3717,7 +3723,7 @@
         </p:nvSpPr>
         <p:spPr>
           <a:xfrm>
-            <a:off x="685801" y="685800"/>
+            <a:off x="685801" y="685802"/>
             <a:ext cx="10394707" cy="3193487"/>
           </a:xfrm>
         </p:spPr>
@@ -3770,7 +3776,7 @@
                 </a:solidFill>
               </a:defRPr>
             </a:lvl1pPr>
-            <a:lvl2pPr marL="457200" indent="0">
+            <a:lvl2pPr marL="457189" indent="0">
               <a:buNone/>
               <a:defRPr sz="2000">
                 <a:solidFill>
@@ -3780,7 +3786,7 @@
                 </a:solidFill>
               </a:defRPr>
             </a:lvl2pPr>
-            <a:lvl3pPr marL="914400" indent="0">
+            <a:lvl3pPr marL="914377" indent="0">
               <a:buNone/>
               <a:defRPr sz="1800">
                 <a:solidFill>
@@ -3790,7 +3796,7 @@
                 </a:solidFill>
               </a:defRPr>
             </a:lvl3pPr>
-            <a:lvl4pPr marL="1371600" indent="0">
+            <a:lvl4pPr marL="1371566" indent="0">
               <a:buNone/>
               <a:defRPr sz="1600">
                 <a:solidFill>
@@ -3800,7 +3806,7 @@
                 </a:solidFill>
               </a:defRPr>
             </a:lvl4pPr>
-            <a:lvl5pPr marL="1828800" indent="0">
+            <a:lvl5pPr marL="1828754" indent="0">
               <a:buNone/>
               <a:defRPr sz="1600">
                 <a:solidFill>
@@ -3810,7 +3816,7 @@
                 </a:solidFill>
               </a:defRPr>
             </a:lvl5pPr>
-            <a:lvl6pPr marL="2286000" indent="0">
+            <a:lvl6pPr marL="2285943" indent="0">
               <a:buNone/>
               <a:defRPr sz="1600">
                 <a:solidFill>
@@ -3820,7 +3826,7 @@
                 </a:solidFill>
               </a:defRPr>
             </a:lvl6pPr>
-            <a:lvl7pPr marL="2743200" indent="0">
+            <a:lvl7pPr marL="2743131" indent="0">
               <a:buNone/>
               <a:defRPr sz="1600">
                 <a:solidFill>
@@ -3830,7 +3836,7 @@
                 </a:solidFill>
               </a:defRPr>
             </a:lvl7pPr>
-            <a:lvl8pPr marL="3200400" indent="0">
+            <a:lvl8pPr marL="3200320" indent="0">
               <a:buNone/>
               <a:defRPr sz="1600">
                 <a:solidFill>
@@ -3840,7 +3846,7 @@
                 </a:solidFill>
               </a:defRPr>
             </a:lvl8pPr>
-            <a:lvl9pPr marL="3657600" indent="0">
+            <a:lvl9pPr marL="3657509" indent="0">
               <a:buNone/>
               <a:defRPr sz="1600">
                 <a:solidFill>
@@ -3963,7 +3969,7 @@
         <p:spPr>
           <a:xfrm>
             <a:off x="685801" y="685800"/>
-            <a:ext cx="10396882" cy="1158140"/>
+            <a:ext cx="10396883" cy="1158140"/>
           </a:xfrm>
         </p:spPr>
         <p:txBody>
@@ -3991,7 +3997,7 @@
         <p:spPr>
           <a:xfrm>
             <a:off x="685800" y="2063396"/>
-            <a:ext cx="5088714" cy="3311189"/>
+            <a:ext cx="5088715" cy="3311189"/>
           </a:xfrm>
         </p:spPr>
         <p:txBody>
@@ -4048,7 +4054,7 @@
         <p:spPr>
           <a:xfrm>
             <a:off x="5993971" y="2063396"/>
-            <a:ext cx="5086538" cy="3311189"/>
+            <a:ext cx="5086539" cy="3311189"/>
           </a:xfrm>
         </p:spPr>
         <p:txBody>
@@ -4222,8 +4228,8 @@
         </p:nvSpPr>
         <p:spPr>
           <a:xfrm>
-            <a:off x="918356" y="2063396"/>
-            <a:ext cx="4856158" cy="679994"/>
+            <a:off x="918357" y="2063396"/>
+            <a:ext cx="4856159" cy="679994"/>
           </a:xfrm>
         </p:spPr>
         <p:txBody>
@@ -4242,35 +4248,35 @@
                 </a:solidFill>
               </a:defRPr>
             </a:lvl1pPr>
-            <a:lvl2pPr marL="457200" indent="0">
+            <a:lvl2pPr marL="457189" indent="0">
               <a:buNone/>
               <a:defRPr sz="2000" b="1"/>
             </a:lvl2pPr>
-            <a:lvl3pPr marL="914400" indent="0">
+            <a:lvl3pPr marL="914377" indent="0">
               <a:buNone/>
               <a:defRPr sz="1800" b="1"/>
             </a:lvl3pPr>
-            <a:lvl4pPr marL="1371600" indent="0">
+            <a:lvl4pPr marL="1371566" indent="0">
               <a:buNone/>
               <a:defRPr sz="1600" b="1"/>
             </a:lvl4pPr>
-            <a:lvl5pPr marL="1828800" indent="0">
+            <a:lvl5pPr marL="1828754" indent="0">
               <a:buNone/>
               <a:defRPr sz="1600" b="1"/>
             </a:lvl5pPr>
-            <a:lvl6pPr marL="2286000" indent="0">
+            <a:lvl6pPr marL="2285943" indent="0">
               <a:buNone/>
               <a:defRPr sz="1600" b="1"/>
             </a:lvl6pPr>
-            <a:lvl7pPr marL="2743200" indent="0">
+            <a:lvl7pPr marL="2743131" indent="0">
               <a:buNone/>
               <a:defRPr sz="1600" b="1"/>
             </a:lvl7pPr>
-            <a:lvl8pPr marL="3200400" indent="0">
+            <a:lvl8pPr marL="3200320" indent="0">
               <a:buNone/>
               <a:defRPr sz="1600" b="1"/>
             </a:lvl8pPr>
-            <a:lvl9pPr marL="3657600" indent="0">
+            <a:lvl9pPr marL="3657509" indent="0">
               <a:buNone/>
               <a:defRPr sz="1600" b="1"/>
             </a:lvl9pPr>
@@ -4296,7 +4302,7 @@
         </p:nvSpPr>
         <p:spPr>
           <a:xfrm>
-            <a:off x="685802" y="2861733"/>
+            <a:off x="685803" y="2861733"/>
             <a:ext cx="5088712" cy="2512852"/>
           </a:xfrm>
         </p:spPr>
@@ -4353,7 +4359,7 @@
         </p:nvSpPr>
         <p:spPr>
           <a:xfrm>
-            <a:off x="6218191" y="2063396"/>
+            <a:off x="6218192" y="2063396"/>
             <a:ext cx="4864491" cy="679994"/>
           </a:xfrm>
         </p:spPr>
@@ -4373,35 +4379,35 @@
                 </a:solidFill>
               </a:defRPr>
             </a:lvl1pPr>
-            <a:lvl2pPr marL="457200" indent="0">
+            <a:lvl2pPr marL="457189" indent="0">
               <a:buNone/>
               <a:defRPr sz="2000" b="1"/>
             </a:lvl2pPr>
-            <a:lvl3pPr marL="914400" indent="0">
+            <a:lvl3pPr marL="914377" indent="0">
               <a:buNone/>
               <a:defRPr sz="1800" b="1"/>
             </a:lvl3pPr>
-            <a:lvl4pPr marL="1371600" indent="0">
+            <a:lvl4pPr marL="1371566" indent="0">
               <a:buNone/>
               <a:defRPr sz="1600" b="1"/>
             </a:lvl4pPr>
-            <a:lvl5pPr marL="1828800" indent="0">
+            <a:lvl5pPr marL="1828754" indent="0">
               <a:buNone/>
               <a:defRPr sz="1600" b="1"/>
             </a:lvl5pPr>
-            <a:lvl6pPr marL="2286000" indent="0">
+            <a:lvl6pPr marL="2285943" indent="0">
               <a:buNone/>
               <a:defRPr sz="1600" b="1"/>
             </a:lvl6pPr>
-            <a:lvl7pPr marL="2743200" indent="0">
+            <a:lvl7pPr marL="2743131" indent="0">
               <a:buNone/>
               <a:defRPr sz="1600" b="1"/>
             </a:lvl7pPr>
-            <a:lvl8pPr marL="3200400" indent="0">
+            <a:lvl8pPr marL="3200320" indent="0">
               <a:buNone/>
               <a:defRPr sz="1600" b="1"/>
             </a:lvl8pPr>
-            <a:lvl9pPr marL="3657600" indent="0">
+            <a:lvl9pPr marL="3657509" indent="0">
               <a:buNone/>
               <a:defRPr sz="1600" b="1"/>
             </a:lvl9pPr>
@@ -4427,7 +4433,7 @@
         </p:nvSpPr>
         <p:spPr>
           <a:xfrm>
-            <a:off x="5993969" y="2861733"/>
+            <a:off x="5993970" y="2861733"/>
             <a:ext cx="5088713" cy="2512852"/>
           </a:xfrm>
         </p:spPr>
@@ -4811,7 +4817,7 @@
         </p:nvSpPr>
         <p:spPr>
           <a:xfrm>
-            <a:off x="5046132" y="685800"/>
+            <a:off x="5046134" y="685802"/>
             <a:ext cx="6034375" cy="4688785"/>
           </a:xfrm>
         </p:spPr>
@@ -4868,7 +4874,7 @@
         </p:nvSpPr>
         <p:spPr>
           <a:xfrm>
-            <a:off x="693642" y="2709052"/>
+            <a:off x="693643" y="2709054"/>
             <a:ext cx="4126861" cy="2665533"/>
           </a:xfrm>
         </p:spPr>
@@ -4881,35 +4887,35 @@
               <a:buNone/>
               <a:defRPr sz="1800"/>
             </a:lvl1pPr>
-            <a:lvl2pPr marL="457200" indent="0">
+            <a:lvl2pPr marL="457189" indent="0">
               <a:buNone/>
               <a:defRPr sz="1400"/>
             </a:lvl2pPr>
-            <a:lvl3pPr marL="914400" indent="0">
+            <a:lvl3pPr marL="914377" indent="0">
               <a:buNone/>
               <a:defRPr sz="1200"/>
             </a:lvl3pPr>
-            <a:lvl4pPr marL="1371600" indent="0">
+            <a:lvl4pPr marL="1371566" indent="0">
               <a:buNone/>
               <a:defRPr sz="1000"/>
             </a:lvl4pPr>
-            <a:lvl5pPr marL="1828800" indent="0">
+            <a:lvl5pPr marL="1828754" indent="0">
               <a:buNone/>
               <a:defRPr sz="1000"/>
             </a:lvl5pPr>
-            <a:lvl6pPr marL="2286000" indent="0">
+            <a:lvl6pPr marL="2285943" indent="0">
               <a:buNone/>
               <a:defRPr sz="1000"/>
             </a:lvl6pPr>
-            <a:lvl7pPr marL="2743200" indent="0">
+            <a:lvl7pPr marL="2743131" indent="0">
               <a:buNone/>
               <a:defRPr sz="1000"/>
             </a:lvl7pPr>
-            <a:lvl8pPr marL="3200400" indent="0">
+            <a:lvl8pPr marL="3200320" indent="0">
               <a:buNone/>
               <a:defRPr sz="1000"/>
             </a:lvl8pPr>
-            <a:lvl9pPr marL="3657600" indent="0">
+            <a:lvl9pPr marL="3657509" indent="0">
               <a:buNone/>
               <a:defRPr sz="1000"/>
             </a:lvl9pPr>
@@ -5025,8 +5031,8 @@
         </p:nvSpPr>
         <p:spPr>
           <a:xfrm>
-            <a:off x="685800" y="685800"/>
-            <a:ext cx="6345302" cy="2023252"/>
+            <a:off x="685801" y="685800"/>
+            <a:ext cx="6345303" cy="2023252"/>
           </a:xfrm>
         </p:spPr>
         <p:txBody>
@@ -5059,8 +5065,8 @@
         </p:nvSpPr>
         <p:spPr>
           <a:xfrm>
-            <a:off x="7482362" y="0"/>
-            <a:ext cx="3598146" cy="5071533"/>
+            <a:off x="7482361" y="2"/>
+            <a:ext cx="3598147" cy="5071533"/>
           </a:xfrm>
           <a:ln w="57150" cmpd="thinThick">
             <a:solidFill>
@@ -5078,35 +5084,35 @@
               <a:buNone/>
               <a:defRPr sz="3200"/>
             </a:lvl1pPr>
-            <a:lvl2pPr marL="457200" indent="0">
+            <a:lvl2pPr marL="457189" indent="0">
               <a:buNone/>
               <a:defRPr sz="2800"/>
             </a:lvl2pPr>
-            <a:lvl3pPr marL="914400" indent="0">
+            <a:lvl3pPr marL="914377" indent="0">
               <a:buNone/>
               <a:defRPr sz="2400"/>
             </a:lvl3pPr>
-            <a:lvl4pPr marL="1371600" indent="0">
+            <a:lvl4pPr marL="1371566" indent="0">
               <a:buNone/>
               <a:defRPr sz="2000"/>
             </a:lvl4pPr>
-            <a:lvl5pPr marL="1828800" indent="0">
+            <a:lvl5pPr marL="1828754" indent="0">
               <a:buNone/>
               <a:defRPr sz="2000"/>
             </a:lvl5pPr>
-            <a:lvl6pPr marL="2286000" indent="0">
+            <a:lvl6pPr marL="2285943" indent="0">
               <a:buNone/>
               <a:defRPr sz="2000"/>
             </a:lvl6pPr>
-            <a:lvl7pPr marL="2743200" indent="0">
+            <a:lvl7pPr marL="2743131" indent="0">
               <a:buNone/>
               <a:defRPr sz="2000"/>
             </a:lvl7pPr>
-            <a:lvl8pPr marL="3200400" indent="0">
+            <a:lvl8pPr marL="3200320" indent="0">
               <a:buNone/>
               <a:defRPr sz="2000"/>
             </a:lvl8pPr>
-            <a:lvl9pPr marL="3657600" indent="0">
+            <a:lvl9pPr marL="3657509" indent="0">
               <a:buNone/>
               <a:defRPr sz="2000"/>
             </a:lvl9pPr>
@@ -5132,7 +5138,7 @@
         </p:nvSpPr>
         <p:spPr>
           <a:xfrm>
-            <a:off x="685801" y="2709052"/>
+            <a:off x="685802" y="2709054"/>
             <a:ext cx="6345301" cy="2362481"/>
           </a:xfrm>
         </p:spPr>
@@ -5145,35 +5151,35 @@
               <a:buNone/>
               <a:defRPr sz="1800"/>
             </a:lvl1pPr>
-            <a:lvl2pPr marL="457200" indent="0">
+            <a:lvl2pPr marL="457189" indent="0">
               <a:buNone/>
               <a:defRPr sz="1400"/>
             </a:lvl2pPr>
-            <a:lvl3pPr marL="914400" indent="0">
+            <a:lvl3pPr marL="914377" indent="0">
               <a:buNone/>
               <a:defRPr sz="1200"/>
             </a:lvl3pPr>
-            <a:lvl4pPr marL="1371600" indent="0">
+            <a:lvl4pPr marL="1371566" indent="0">
               <a:buNone/>
               <a:defRPr sz="1000"/>
             </a:lvl4pPr>
-            <a:lvl5pPr marL="1828800" indent="0">
+            <a:lvl5pPr marL="1828754" indent="0">
               <a:buNone/>
               <a:defRPr sz="1000"/>
             </a:lvl5pPr>
-            <a:lvl6pPr marL="2286000" indent="0">
+            <a:lvl6pPr marL="2285943" indent="0">
               <a:buNone/>
               <a:defRPr sz="1000"/>
             </a:lvl6pPr>
-            <a:lvl7pPr marL="2743200" indent="0">
+            <a:lvl7pPr marL="2743131" indent="0">
               <a:buNone/>
               <a:defRPr sz="1000"/>
             </a:lvl7pPr>
-            <a:lvl8pPr marL="3200400" indent="0">
+            <a:lvl8pPr marL="3200320" indent="0">
               <a:buNone/>
               <a:defRPr sz="1000"/>
             </a:lvl8pPr>
-            <a:lvl9pPr marL="3657600" indent="0">
+            <a:lvl9pPr marL="3657509" indent="0">
               <a:buNone/>
               <a:defRPr sz="1000"/>
             </a:lvl9pPr>
@@ -5264,9 +5270,18 @@
 <p:sldMaster xmlns:a="http://schemas.openxmlformats.org/drawingml/2006/main" xmlns:r="http://schemas.openxmlformats.org/officeDocument/2006/relationships" xmlns:p="http://schemas.openxmlformats.org/presentationml/2006/main">
   <p:cSld>
     <p:bg>
-      <p:bgRef idx="1003">
-        <a:schemeClr val="bg1"/>
-      </p:bgRef>
+      <p:bgPr>
+        <a:blipFill dpi="0" rotWithShape="1">
+          <a:blip r:embed="rId19">
+            <a:lum/>
+          </a:blip>
+          <a:srcRect/>
+          <a:stretch>
+            <a:fillRect/>
+          </a:stretch>
+        </a:blipFill>
+        <a:effectLst/>
+      </p:bgPr>
     </p:bg>
     <p:spTree>
       <p:nvGrpSpPr>
@@ -5291,7 +5306,7 @@
           <p:nvPr/>
         </p:nvPicPr>
         <p:blipFill>
-          <a:blip r:embed="rId19">
+          <a:blip r:embed="rId20">
             <a:extLst>
               <a:ext uri="{28A0092B-C50C-407E-A947-70E740481C1C}">
                 <a14:useLocalDpi xmlns:a14="http://schemas.microsoft.com/office/drawing/2010/main" val="0"/>
@@ -5320,8 +5335,8 @@
         </p:nvGrpSpPr>
         <p:grpSpPr>
           <a:xfrm>
-            <a:off x="-25397" y="0"/>
-            <a:ext cx="12005350" cy="6644081"/>
+            <a:off x="-25397" y="2"/>
+            <a:ext cx="12005351" cy="6644081"/>
             <a:chOff x="-25397" y="0"/>
             <a:chExt cx="12005350" cy="6644081"/>
           </a:xfrm>
@@ -5484,8 +5499,8 @@
         </p:nvSpPr>
         <p:spPr>
           <a:xfrm>
-            <a:off x="685801" y="685800"/>
-            <a:ext cx="10396882" cy="1151965"/>
+            <a:off x="685801" y="685802"/>
+            <a:ext cx="10396883" cy="1151965"/>
           </a:xfrm>
           <a:prstGeom prst="rect">
             <a:avLst/>
@@ -5517,7 +5532,7 @@
         </p:nvSpPr>
         <p:spPr>
           <a:xfrm>
-            <a:off x="685800" y="2063396"/>
+            <a:off x="685801" y="2063396"/>
             <a:ext cx="10396883" cy="3311189"/>
           </a:xfrm>
           <a:prstGeom prst="rect">
@@ -5620,7 +5635,7 @@
         </p:nvSpPr>
         <p:spPr>
           <a:xfrm>
-            <a:off x="685801" y="5757334"/>
+            <a:off x="685802" y="5757334"/>
             <a:ext cx="5499719" cy="498470"/>
           </a:xfrm>
           <a:prstGeom prst="rect">
@@ -5658,7 +5673,7 @@
         <p:spPr>
           <a:xfrm>
             <a:off x="6287121" y="5757334"/>
-            <a:ext cx="907186" cy="498470"/>
+            <a:ext cx="907187" cy="498470"/>
           </a:xfrm>
           <a:prstGeom prst="rect">
             <a:avLst/>
@@ -5712,7 +5727,7 @@
   <p:hf sldNum="0" hdr="0" ftr="0" dt="0"/>
   <p:txStyles>
     <p:titleStyle>
-      <a:lvl1pPr algn="l" defTabSz="914400" rtl="0" eaLnBrk="1" latinLnBrk="0" hangingPunct="1">
+      <a:lvl1pPr algn="l" defTabSz="914377" rtl="0" eaLnBrk="1" latinLnBrk="0" hangingPunct="1">
         <a:lnSpc>
           <a:spcPct val="90000"/>
         </a:lnSpc>
@@ -5732,7 +5747,7 @@
       </a:lvl1pPr>
     </p:titleStyle>
     <p:bodyStyle>
-      <a:lvl1pPr marL="228600" indent="-228600" algn="l" defTabSz="914400" rtl="0" eaLnBrk="1" latinLnBrk="0" hangingPunct="1">
+      <a:lvl1pPr marL="228594" indent="-228594" algn="l" defTabSz="914377" rtl="0" eaLnBrk="1" latinLnBrk="0" hangingPunct="1">
         <a:lnSpc>
           <a:spcPct val="120000"/>
         </a:lnSpc>
@@ -5755,7 +5770,7 @@
           <a:cs typeface="+mn-cs"/>
         </a:defRPr>
       </a:lvl1pPr>
-      <a:lvl2pPr marL="685800" indent="-228600" algn="l" defTabSz="914400" rtl="0" eaLnBrk="1" latinLnBrk="0" hangingPunct="1">
+      <a:lvl2pPr marL="685783" indent="-228594" algn="l" defTabSz="914377" rtl="0" eaLnBrk="1" latinLnBrk="0" hangingPunct="1">
         <a:lnSpc>
           <a:spcPct val="120000"/>
         </a:lnSpc>
@@ -5778,7 +5793,7 @@
           <a:cs typeface="+mn-cs"/>
         </a:defRPr>
       </a:lvl2pPr>
-      <a:lvl3pPr marL="1143000" indent="-228600" algn="l" defTabSz="914400" rtl="0" eaLnBrk="1" latinLnBrk="0" hangingPunct="1">
+      <a:lvl3pPr marL="1142971" indent="-228594" algn="l" defTabSz="914377" rtl="0" eaLnBrk="1" latinLnBrk="0" hangingPunct="1">
         <a:lnSpc>
           <a:spcPct val="120000"/>
         </a:lnSpc>
@@ -5801,7 +5816,7 @@
           <a:cs typeface="+mn-cs"/>
         </a:defRPr>
       </a:lvl3pPr>
-      <a:lvl4pPr marL="1600200" indent="-228600" algn="l" defTabSz="914400" rtl="0" eaLnBrk="1" latinLnBrk="0" hangingPunct="1">
+      <a:lvl4pPr marL="1600160" indent="-228594" algn="l" defTabSz="914377" rtl="0" eaLnBrk="1" latinLnBrk="0" hangingPunct="1">
         <a:lnSpc>
           <a:spcPct val="120000"/>
         </a:lnSpc>
@@ -5824,7 +5839,7 @@
           <a:cs typeface="+mn-cs"/>
         </a:defRPr>
       </a:lvl4pPr>
-      <a:lvl5pPr marL="2057400" indent="-228600" algn="l" defTabSz="914400" rtl="0" eaLnBrk="1" latinLnBrk="0" hangingPunct="1">
+      <a:lvl5pPr marL="2057349" indent="-228594" algn="l" defTabSz="914377" rtl="0" eaLnBrk="1" latinLnBrk="0" hangingPunct="1">
         <a:lnSpc>
           <a:spcPct val="120000"/>
         </a:lnSpc>
@@ -5847,7 +5862,7 @@
           <a:cs typeface="+mn-cs"/>
         </a:defRPr>
       </a:lvl5pPr>
-      <a:lvl6pPr marL="2514600" indent="-228600" algn="l" defTabSz="914400" rtl="0" eaLnBrk="1" latinLnBrk="0" hangingPunct="1">
+      <a:lvl6pPr marL="2514537" indent="-228594" algn="l" defTabSz="914377" rtl="0" eaLnBrk="1" latinLnBrk="0" hangingPunct="1">
         <a:lnSpc>
           <a:spcPct val="120000"/>
         </a:lnSpc>
@@ -5870,7 +5885,7 @@
           <a:cs typeface="+mn-cs"/>
         </a:defRPr>
       </a:lvl6pPr>
-      <a:lvl7pPr marL="2971800" indent="-228600" algn="l" defTabSz="914400" rtl="0" eaLnBrk="1" latinLnBrk="0" hangingPunct="1">
+      <a:lvl7pPr marL="2971726" indent="-228594" algn="l" defTabSz="914377" rtl="0" eaLnBrk="1" latinLnBrk="0" hangingPunct="1">
         <a:lnSpc>
           <a:spcPct val="120000"/>
         </a:lnSpc>
@@ -5893,7 +5908,7 @@
           <a:cs typeface="+mn-cs"/>
         </a:defRPr>
       </a:lvl7pPr>
-      <a:lvl8pPr marL="3429000" indent="-228600" algn="l" defTabSz="914400" rtl="0" eaLnBrk="1" latinLnBrk="0" hangingPunct="1">
+      <a:lvl8pPr marL="3428914" indent="-228594" algn="l" defTabSz="914377" rtl="0" eaLnBrk="1" latinLnBrk="0" hangingPunct="1">
         <a:lnSpc>
           <a:spcPct val="120000"/>
         </a:lnSpc>
@@ -5916,7 +5931,7 @@
           <a:cs typeface="+mn-cs"/>
         </a:defRPr>
       </a:lvl8pPr>
-      <a:lvl9pPr marL="3886200" indent="-228600" algn="l" defTabSz="914400" rtl="0" eaLnBrk="1" latinLnBrk="0" hangingPunct="1">
+      <a:lvl9pPr marL="3886103" indent="-228594" algn="l" defTabSz="914377" rtl="0" eaLnBrk="1" latinLnBrk="0" hangingPunct="1">
         <a:lnSpc>
           <a:spcPct val="120000"/>
         </a:lnSpc>
@@ -5944,7 +5959,7 @@
       <a:defPPr>
         <a:defRPr lang="en-US"/>
       </a:defPPr>
-      <a:lvl1pPr marL="0" algn="l" defTabSz="914400" rtl="0" eaLnBrk="1" latinLnBrk="0" hangingPunct="1">
+      <a:lvl1pPr marL="0" algn="l" defTabSz="914377" rtl="0" eaLnBrk="1" latinLnBrk="0" hangingPunct="1">
         <a:defRPr sz="1800" kern="1200">
           <a:solidFill>
             <a:schemeClr val="tx1"/>
@@ -5954,7 +5969,7 @@
           <a:cs typeface="+mn-cs"/>
         </a:defRPr>
       </a:lvl1pPr>
-      <a:lvl2pPr marL="457200" algn="l" defTabSz="914400" rtl="0" eaLnBrk="1" latinLnBrk="0" hangingPunct="1">
+      <a:lvl2pPr marL="457189" algn="l" defTabSz="914377" rtl="0" eaLnBrk="1" latinLnBrk="0" hangingPunct="1">
         <a:defRPr sz="1800" kern="1200">
           <a:solidFill>
             <a:schemeClr val="tx1"/>
@@ -5964,7 +5979,7 @@
           <a:cs typeface="+mn-cs"/>
         </a:defRPr>
       </a:lvl2pPr>
-      <a:lvl3pPr marL="914400" algn="l" defTabSz="914400" rtl="0" eaLnBrk="1" latinLnBrk="0" hangingPunct="1">
+      <a:lvl3pPr marL="914377" algn="l" defTabSz="914377" rtl="0" eaLnBrk="1" latinLnBrk="0" hangingPunct="1">
         <a:defRPr sz="1800" kern="1200">
           <a:solidFill>
             <a:schemeClr val="tx1"/>
@@ -5974,7 +5989,7 @@
           <a:cs typeface="+mn-cs"/>
         </a:defRPr>
       </a:lvl3pPr>
-      <a:lvl4pPr marL="1371600" algn="l" defTabSz="914400" rtl="0" eaLnBrk="1" latinLnBrk="0" hangingPunct="1">
+      <a:lvl4pPr marL="1371566" algn="l" defTabSz="914377" rtl="0" eaLnBrk="1" latinLnBrk="0" hangingPunct="1">
         <a:defRPr sz="1800" kern="1200">
           <a:solidFill>
             <a:schemeClr val="tx1"/>
@@ -5984,7 +5999,7 @@
           <a:cs typeface="+mn-cs"/>
         </a:defRPr>
       </a:lvl4pPr>
-      <a:lvl5pPr marL="1828800" algn="l" defTabSz="914400" rtl="0" eaLnBrk="1" latinLnBrk="0" hangingPunct="1">
+      <a:lvl5pPr marL="1828754" algn="l" defTabSz="914377" rtl="0" eaLnBrk="1" latinLnBrk="0" hangingPunct="1">
         <a:defRPr sz="1800" kern="1200">
           <a:solidFill>
             <a:schemeClr val="tx1"/>
@@ -5994,7 +6009,7 @@
           <a:cs typeface="+mn-cs"/>
         </a:defRPr>
       </a:lvl5pPr>
-      <a:lvl6pPr marL="2286000" algn="l" defTabSz="914400" rtl="0" eaLnBrk="1" latinLnBrk="0" hangingPunct="1">
+      <a:lvl6pPr marL="2285943" algn="l" defTabSz="914377" rtl="0" eaLnBrk="1" latinLnBrk="0" hangingPunct="1">
         <a:defRPr sz="1800" kern="1200">
           <a:solidFill>
             <a:schemeClr val="tx1"/>
@@ -6004,7 +6019,7 @@
           <a:cs typeface="+mn-cs"/>
         </a:defRPr>
       </a:lvl6pPr>
-      <a:lvl7pPr marL="2743200" algn="l" defTabSz="914400" rtl="0" eaLnBrk="1" latinLnBrk="0" hangingPunct="1">
+      <a:lvl7pPr marL="2743131" algn="l" defTabSz="914377" rtl="0" eaLnBrk="1" latinLnBrk="0" hangingPunct="1">
         <a:defRPr sz="1800" kern="1200">
           <a:solidFill>
             <a:schemeClr val="tx1"/>
@@ -6014,7 +6029,7 @@
           <a:cs typeface="+mn-cs"/>
         </a:defRPr>
       </a:lvl7pPr>
-      <a:lvl8pPr marL="3200400" algn="l" defTabSz="914400" rtl="0" eaLnBrk="1" latinLnBrk="0" hangingPunct="1">
+      <a:lvl8pPr marL="3200320" algn="l" defTabSz="914377" rtl="0" eaLnBrk="1" latinLnBrk="0" hangingPunct="1">
         <a:defRPr sz="1800" kern="1200">
           <a:solidFill>
             <a:schemeClr val="tx1"/>
@@ -6024,7 +6039,7 @@
           <a:cs typeface="+mn-cs"/>
         </a:defRPr>
       </a:lvl8pPr>
-      <a:lvl9pPr marL="3657600" algn="l" defTabSz="914400" rtl="0" eaLnBrk="1" latinLnBrk="0" hangingPunct="1">
+      <a:lvl9pPr marL="3657509" algn="l" defTabSz="914377" rtl="0" eaLnBrk="1" latinLnBrk="0" hangingPunct="1">
         <a:defRPr sz="1800" kern="1200">
           <a:solidFill>
             <a:schemeClr val="tx1"/>
@@ -6072,14 +6087,21 @@
             <p:ph type="ctrTitle"/>
           </p:nvPr>
         </p:nvSpPr>
-        <p:spPr/>
-        <p:txBody>
-          <a:bodyPr/>
-          <a:lstStyle/>
-          <a:p>
-            <a:r>
-              <a:rPr lang="en-US" dirty="0"/>
-              <a:t>FIFA 2018 Champions</a:t>
+        <p:spPr>
+          <a:xfrm rot="21420000">
+            <a:off x="2843588" y="611531"/>
+            <a:ext cx="7801461" cy="2766528"/>
+          </a:xfrm>
+        </p:spPr>
+        <p:txBody>
+          <a:bodyPr>
+            <a:noAutofit/>
+          </a:bodyPr>
+          <a:lstStyle/>
+          <a:p>
+            <a:r>
+              <a:rPr lang="en-US" sz="6600" dirty="0"/>
+              <a:t>Can you model the 2018 World Cup with Video Game Data?</a:t>
             </a:r>
           </a:p>
         </p:txBody>
@@ -6100,15 +6122,45 @@
             <p:ph type="subTitle" idx="1"/>
           </p:nvPr>
         </p:nvSpPr>
-        <p:spPr/>
+        <p:spPr>
+          <a:xfrm rot="21420000">
+            <a:off x="193852" y="3525877"/>
+            <a:ext cx="10544939" cy="550333"/>
+          </a:xfrm>
+        </p:spPr>
         <p:txBody>
           <a:bodyPr/>
           <a:lstStyle/>
           <a:p>
-            <a:r>
-              <a:rPr lang="en-US" dirty="0"/>
-              <a:t>prediction With data facts</a:t>
-            </a:r>
+            <a:pPr fontAlgn="base"/>
+            <a:r>
+              <a:rPr lang="en-US" cap="none" dirty="0"/>
+              <a:t>Michael </a:t>
+            </a:r>
+            <a:r>
+              <a:rPr lang="en-US" cap="none" dirty="0" err="1"/>
+              <a:t>Strenk</a:t>
+            </a:r>
+            <a:r>
+              <a:rPr lang="en-US" cap="none" dirty="0"/>
+              <a:t>  / Chandra Karanam / Ross Lovelace / </a:t>
+            </a:r>
+            <a:r>
+              <a:rPr lang="en-US" cap="none" dirty="0" err="1"/>
+              <a:t>Vedant</a:t>
+            </a:r>
+            <a:r>
+              <a:rPr lang="en-US" cap="none" dirty="0"/>
+              <a:t> </a:t>
+            </a:r>
+            <a:r>
+              <a:rPr lang="en-US" cap="none" dirty="0" err="1"/>
+              <a:t>Vashishth</a:t>
+            </a:r>
+            <a:endParaRPr lang="en-US" cap="none" dirty="0"/>
+          </a:p>
+          <a:p>
+            <a:endParaRPr lang="en-US" dirty="0"/>
           </a:p>
         </p:txBody>
       </p:sp>
@@ -6116,6 +6168,625 @@
     <p:extLst>
       <p:ext uri="{BB962C8B-B14F-4D97-AF65-F5344CB8AC3E}">
         <p14:creationId xmlns:p14="http://schemas.microsoft.com/office/powerpoint/2010/main" val="3763796763"/>
+      </p:ext>
+    </p:extLst>
+  </p:cSld>
+  <p:clrMapOvr>
+    <a:masterClrMapping/>
+  </p:clrMapOvr>
+</p:sld>
+</file>
+
+<file path=ppt/slides/slide10.xml><?xml version="1.0" encoding="utf-8"?>
+<p:sld xmlns:a="http://schemas.openxmlformats.org/drawingml/2006/main" xmlns:r="http://schemas.openxmlformats.org/officeDocument/2006/relationships" xmlns:p="http://schemas.openxmlformats.org/presentationml/2006/main">
+  <p:cSld>
+    <p:spTree>
+      <p:nvGrpSpPr>
+        <p:cNvPr id="1" name=""/>
+        <p:cNvGrpSpPr/>
+        <p:nvPr/>
+      </p:nvGrpSpPr>
+      <p:grpSpPr>
+        <a:xfrm>
+          <a:off x="0" y="0"/>
+          <a:ext cx="0" cy="0"/>
+          <a:chOff x="0" y="0"/>
+          <a:chExt cx="0" cy="0"/>
+        </a:xfrm>
+      </p:grpSpPr>
+      <p:sp>
+        <p:nvSpPr>
+          <p:cNvPr id="2" name="Title 1">
+            <a:extLst>
+              <a:ext uri="{FF2B5EF4-FFF2-40B4-BE49-F238E27FC236}">
+                <a16:creationId xmlns:a16="http://schemas.microsoft.com/office/drawing/2014/main" id="{24E5E2C8-CCD6-3C4A-9049-9C2283AFAC3A}"/>
+              </a:ext>
+            </a:extLst>
+          </p:cNvPr>
+          <p:cNvSpPr>
+            <a:spLocks noGrp="1"/>
+          </p:cNvSpPr>
+          <p:nvPr>
+            <p:ph type="title"/>
+          </p:nvPr>
+        </p:nvSpPr>
+        <p:spPr>
+          <a:xfrm>
+            <a:off x="685801" y="0"/>
+            <a:ext cx="10396883" cy="2063396"/>
+          </a:xfrm>
+        </p:spPr>
+        <p:txBody>
+          <a:bodyPr>
+            <a:normAutofit/>
+          </a:bodyPr>
+          <a:lstStyle/>
+          <a:p>
+            <a:pPr algn="r"/>
+            <a:r>
+              <a:rPr lang="en-US" sz="4800" dirty="0"/>
+              <a:t>Spain vs Portugal</a:t>
+            </a:r>
+          </a:p>
+        </p:txBody>
+      </p:sp>
+      <p:sp>
+        <p:nvSpPr>
+          <p:cNvPr id="3" name="Content Placeholder 2">
+            <a:extLst>
+              <a:ext uri="{FF2B5EF4-FFF2-40B4-BE49-F238E27FC236}">
+                <a16:creationId xmlns:a16="http://schemas.microsoft.com/office/drawing/2014/main" id="{4D7E8E3F-2CC9-E04B-A652-28D99DFBF90B}"/>
+              </a:ext>
+            </a:extLst>
+          </p:cNvPr>
+          <p:cNvSpPr>
+            <a:spLocks noGrp="1"/>
+          </p:cNvSpPr>
+          <p:nvPr>
+            <p:ph sz="quarter" idx="13"/>
+          </p:nvPr>
+        </p:nvSpPr>
+        <p:spPr>
+          <a:xfrm>
+            <a:off x="6260553" y="1438508"/>
+            <a:ext cx="4819956" cy="3936078"/>
+          </a:xfrm>
+        </p:spPr>
+        <p:txBody>
+          <a:bodyPr anchor="t">
+            <a:normAutofit/>
+          </a:bodyPr>
+          <a:lstStyle/>
+          <a:p>
+            <a:r>
+              <a:rPr lang="en-US" dirty="0"/>
+              <a:t>Spain chance of Win: 44.99% </a:t>
+            </a:r>
+          </a:p>
+          <a:p>
+            <a:r>
+              <a:rPr lang="en-US" dirty="0"/>
+              <a:t>Portugal chance of Win: 31.19% </a:t>
+            </a:r>
+          </a:p>
+          <a:p>
+            <a:r>
+              <a:rPr lang="en-US" dirty="0"/>
+              <a:t>Odds of a draw: 23.82%</a:t>
+            </a:r>
+          </a:p>
+        </p:txBody>
+      </p:sp>
+      <p:pic>
+        <p:nvPicPr>
+          <p:cNvPr id="7" name="Picture 6">
+            <a:extLst>
+              <a:ext uri="{FF2B5EF4-FFF2-40B4-BE49-F238E27FC236}">
+                <a16:creationId xmlns:a16="http://schemas.microsoft.com/office/drawing/2014/main" id="{A74F297F-9A76-C148-A8ED-CA4B3667C3CA}"/>
+              </a:ext>
+            </a:extLst>
+          </p:cNvPr>
+          <p:cNvPicPr>
+            <a:picLocks noChangeAspect="1"/>
+          </p:cNvPicPr>
+          <p:nvPr/>
+        </p:nvPicPr>
+        <p:blipFill>
+          <a:blip r:embed="rId2"/>
+          <a:stretch>
+            <a:fillRect/>
+          </a:stretch>
+        </p:blipFill>
+        <p:spPr>
+          <a:xfrm>
+            <a:off x="215353" y="1438508"/>
+            <a:ext cx="6045200" cy="3492500"/>
+          </a:xfrm>
+          <a:prstGeom prst="rect">
+            <a:avLst/>
+          </a:prstGeom>
+        </p:spPr>
+      </p:pic>
+    </p:spTree>
+    <p:extLst>
+      <p:ext uri="{BB962C8B-B14F-4D97-AF65-F5344CB8AC3E}">
+        <p14:creationId xmlns:p14="http://schemas.microsoft.com/office/powerpoint/2010/main" val="1132502967"/>
+      </p:ext>
+    </p:extLst>
+  </p:cSld>
+  <p:clrMapOvr>
+    <a:masterClrMapping/>
+  </p:clrMapOvr>
+</p:sld>
+</file>
+
+<file path=ppt/slides/slide11.xml><?xml version="1.0" encoding="utf-8"?>
+<p:sld xmlns:a="http://schemas.openxmlformats.org/drawingml/2006/main" xmlns:r="http://schemas.openxmlformats.org/officeDocument/2006/relationships" xmlns:p="http://schemas.openxmlformats.org/presentationml/2006/main">
+  <p:cSld>
+    <p:spTree>
+      <p:nvGrpSpPr>
+        <p:cNvPr id="1" name=""/>
+        <p:cNvGrpSpPr/>
+        <p:nvPr/>
+      </p:nvGrpSpPr>
+      <p:grpSpPr>
+        <a:xfrm>
+          <a:off x="0" y="0"/>
+          <a:ext cx="0" cy="0"/>
+          <a:chOff x="0" y="0"/>
+          <a:chExt cx="0" cy="0"/>
+        </a:xfrm>
+      </p:grpSpPr>
+      <p:sp>
+        <p:nvSpPr>
+          <p:cNvPr id="2" name="Title 1">
+            <a:extLst>
+              <a:ext uri="{FF2B5EF4-FFF2-40B4-BE49-F238E27FC236}">
+                <a16:creationId xmlns:a16="http://schemas.microsoft.com/office/drawing/2014/main" id="{24E5E2C8-CCD6-3C4A-9049-9C2283AFAC3A}"/>
+              </a:ext>
+            </a:extLst>
+          </p:cNvPr>
+          <p:cNvSpPr>
+            <a:spLocks noGrp="1"/>
+          </p:cNvSpPr>
+          <p:nvPr>
+            <p:ph type="title"/>
+          </p:nvPr>
+        </p:nvSpPr>
+        <p:spPr>
+          <a:xfrm>
+            <a:off x="685801" y="0"/>
+            <a:ext cx="10396883" cy="2063396"/>
+          </a:xfrm>
+        </p:spPr>
+        <p:txBody>
+          <a:bodyPr>
+            <a:normAutofit/>
+          </a:bodyPr>
+          <a:lstStyle/>
+          <a:p>
+            <a:pPr algn="r"/>
+            <a:r>
+              <a:rPr lang="en-US" sz="4800" dirty="0" err="1"/>
+              <a:t>Jupyter</a:t>
+            </a:r>
+            <a:r>
+              <a:rPr lang="en-US" sz="4800" dirty="0"/>
+              <a:t> Demonstration</a:t>
+            </a:r>
+          </a:p>
+        </p:txBody>
+      </p:sp>
+      <p:sp>
+        <p:nvSpPr>
+          <p:cNvPr id="5" name="Content Placeholder 4">
+            <a:extLst>
+              <a:ext uri="{FF2B5EF4-FFF2-40B4-BE49-F238E27FC236}">
+                <a16:creationId xmlns:a16="http://schemas.microsoft.com/office/drawing/2014/main" id="{DEF2159D-0294-6943-833A-184611F4A9F2}"/>
+              </a:ext>
+            </a:extLst>
+          </p:cNvPr>
+          <p:cNvSpPr>
+            <a:spLocks noGrp="1"/>
+          </p:cNvSpPr>
+          <p:nvPr>
+            <p:ph sz="quarter" idx="13"/>
+          </p:nvPr>
+        </p:nvSpPr>
+        <p:spPr/>
+        <p:txBody>
+          <a:bodyPr/>
+          <a:lstStyle/>
+          <a:p>
+            <a:endParaRPr lang="en-US"/>
+          </a:p>
+        </p:txBody>
+      </p:sp>
+    </p:spTree>
+    <p:extLst>
+      <p:ext uri="{BB962C8B-B14F-4D97-AF65-F5344CB8AC3E}">
+        <p14:creationId xmlns:p14="http://schemas.microsoft.com/office/powerpoint/2010/main" val="16656085"/>
+      </p:ext>
+    </p:extLst>
+  </p:cSld>
+  <p:clrMapOvr>
+    <a:masterClrMapping/>
+  </p:clrMapOvr>
+</p:sld>
+</file>
+
+<file path=ppt/slides/slide12.xml><?xml version="1.0" encoding="utf-8"?>
+<p:sld xmlns:a="http://schemas.openxmlformats.org/drawingml/2006/main" xmlns:r="http://schemas.openxmlformats.org/officeDocument/2006/relationships" xmlns:p="http://schemas.openxmlformats.org/presentationml/2006/main">
+  <p:cSld>
+    <p:spTree>
+      <p:nvGrpSpPr>
+        <p:cNvPr id="1" name=""/>
+        <p:cNvGrpSpPr/>
+        <p:nvPr/>
+      </p:nvGrpSpPr>
+      <p:grpSpPr>
+        <a:xfrm>
+          <a:off x="0" y="0"/>
+          <a:ext cx="0" cy="0"/>
+          <a:chOff x="0" y="0"/>
+          <a:chExt cx="0" cy="0"/>
+        </a:xfrm>
+      </p:grpSpPr>
+      <p:sp>
+        <p:nvSpPr>
+          <p:cNvPr id="2" name="Title 1">
+            <a:extLst>
+              <a:ext uri="{FF2B5EF4-FFF2-40B4-BE49-F238E27FC236}">
+                <a16:creationId xmlns:a16="http://schemas.microsoft.com/office/drawing/2014/main" id="{24E5E2C8-CCD6-3C4A-9049-9C2283AFAC3A}"/>
+              </a:ext>
+            </a:extLst>
+          </p:cNvPr>
+          <p:cNvSpPr>
+            <a:spLocks noGrp="1"/>
+          </p:cNvSpPr>
+          <p:nvPr>
+            <p:ph type="title"/>
+          </p:nvPr>
+        </p:nvSpPr>
+        <p:spPr>
+          <a:xfrm>
+            <a:off x="685801" y="0"/>
+            <a:ext cx="10396883" cy="2063396"/>
+          </a:xfrm>
+        </p:spPr>
+        <p:txBody>
+          <a:bodyPr>
+            <a:normAutofit/>
+          </a:bodyPr>
+          <a:lstStyle/>
+          <a:p>
+            <a:pPr algn="ctr"/>
+            <a:r>
+              <a:rPr lang="en-US" sz="4800" dirty="0"/>
+              <a:t>Poisson Validation</a:t>
+            </a:r>
+          </a:p>
+        </p:txBody>
+      </p:sp>
+      <p:sp>
+        <p:nvSpPr>
+          <p:cNvPr id="5" name="Content Placeholder 4">
+            <a:extLst>
+              <a:ext uri="{FF2B5EF4-FFF2-40B4-BE49-F238E27FC236}">
+                <a16:creationId xmlns:a16="http://schemas.microsoft.com/office/drawing/2014/main" id="{DEF2159D-0294-6943-833A-184611F4A9F2}"/>
+              </a:ext>
+            </a:extLst>
+          </p:cNvPr>
+          <p:cNvSpPr>
+            <a:spLocks noGrp="1"/>
+          </p:cNvSpPr>
+          <p:nvPr>
+            <p:ph sz="quarter" idx="13"/>
+          </p:nvPr>
+        </p:nvSpPr>
+        <p:spPr>
+          <a:xfrm>
+            <a:off x="3181973" y="1371600"/>
+            <a:ext cx="5404537" cy="4002985"/>
+          </a:xfrm>
+        </p:spPr>
+        <p:txBody>
+          <a:bodyPr anchor="t"/>
+          <a:lstStyle/>
+          <a:p>
+            <a:pPr marL="0" indent="0" algn="ctr">
+              <a:buNone/>
+            </a:pPr>
+            <a:r>
+              <a:rPr lang="en-US" dirty="0">
+                <a:hlinkClick r:id="rId2"/>
+              </a:rPr>
+              <a:t>https://www.betfair.com/sport/football</a:t>
+            </a:r>
+            <a:endParaRPr lang="en-US" dirty="0"/>
+          </a:p>
+          <a:p>
+            <a:pPr algn="ctr"/>
+            <a:endParaRPr lang="en-US" dirty="0"/>
+          </a:p>
+        </p:txBody>
+      </p:sp>
+      <p:pic>
+        <p:nvPicPr>
+          <p:cNvPr id="4" name="Picture 3">
+            <a:extLst>
+              <a:ext uri="{FF2B5EF4-FFF2-40B4-BE49-F238E27FC236}">
+                <a16:creationId xmlns:a16="http://schemas.microsoft.com/office/drawing/2014/main" id="{38A5EB09-044A-8244-A09A-258788F099FA}"/>
+              </a:ext>
+            </a:extLst>
+          </p:cNvPr>
+          <p:cNvPicPr>
+            <a:picLocks noChangeAspect="1"/>
+          </p:cNvPicPr>
+          <p:nvPr/>
+        </p:nvPicPr>
+        <p:blipFill>
+          <a:blip r:embed="rId3"/>
+          <a:stretch>
+            <a:fillRect/>
+          </a:stretch>
+        </p:blipFill>
+        <p:spPr>
+          <a:xfrm>
+            <a:off x="5673795" y="1873405"/>
+            <a:ext cx="4196333" cy="4984595"/>
+          </a:xfrm>
+          <a:prstGeom prst="rect">
+            <a:avLst/>
+          </a:prstGeom>
+        </p:spPr>
+      </p:pic>
+      <p:pic>
+        <p:nvPicPr>
+          <p:cNvPr id="7" name="Picture 6">
+            <a:extLst>
+              <a:ext uri="{FF2B5EF4-FFF2-40B4-BE49-F238E27FC236}">
+                <a16:creationId xmlns:a16="http://schemas.microsoft.com/office/drawing/2014/main" id="{8597C9AC-722D-AB45-900B-8A1E5B307108}"/>
+              </a:ext>
+            </a:extLst>
+          </p:cNvPr>
+          <p:cNvPicPr>
+            <a:picLocks noChangeAspect="1"/>
+          </p:cNvPicPr>
+          <p:nvPr/>
+        </p:nvPicPr>
+        <p:blipFill>
+          <a:blip r:embed="rId4"/>
+          <a:stretch>
+            <a:fillRect/>
+          </a:stretch>
+        </p:blipFill>
+        <p:spPr>
+          <a:xfrm>
+            <a:off x="1730138" y="1873406"/>
+            <a:ext cx="3941481" cy="4984595"/>
+          </a:xfrm>
+          <a:prstGeom prst="rect">
+            <a:avLst/>
+          </a:prstGeom>
+        </p:spPr>
+      </p:pic>
+    </p:spTree>
+    <p:extLst>
+      <p:ext uri="{BB962C8B-B14F-4D97-AF65-F5344CB8AC3E}">
+        <p14:creationId xmlns:p14="http://schemas.microsoft.com/office/powerpoint/2010/main" val="520331398"/>
+      </p:ext>
+    </p:extLst>
+  </p:cSld>
+  <p:clrMapOvr>
+    <a:masterClrMapping/>
+  </p:clrMapOvr>
+</p:sld>
+</file>
+
+<file path=ppt/slides/slide13.xml><?xml version="1.0" encoding="utf-8"?>
+<p:sld xmlns:a="http://schemas.openxmlformats.org/drawingml/2006/main" xmlns:r="http://schemas.openxmlformats.org/officeDocument/2006/relationships" xmlns:p="http://schemas.openxmlformats.org/presentationml/2006/main">
+  <p:cSld>
+    <p:spTree>
+      <p:nvGrpSpPr>
+        <p:cNvPr id="1" name=""/>
+        <p:cNvGrpSpPr/>
+        <p:nvPr/>
+      </p:nvGrpSpPr>
+      <p:grpSpPr>
+        <a:xfrm>
+          <a:off x="0" y="0"/>
+          <a:ext cx="0" cy="0"/>
+          <a:chOff x="0" y="0"/>
+          <a:chExt cx="0" cy="0"/>
+        </a:xfrm>
+      </p:grpSpPr>
+      <p:sp>
+        <p:nvSpPr>
+          <p:cNvPr id="2" name="Title 1">
+            <a:extLst>
+              <a:ext uri="{FF2B5EF4-FFF2-40B4-BE49-F238E27FC236}">
+                <a16:creationId xmlns:a16="http://schemas.microsoft.com/office/drawing/2014/main" id="{24E5E2C8-CCD6-3C4A-9049-9C2283AFAC3A}"/>
+              </a:ext>
+            </a:extLst>
+          </p:cNvPr>
+          <p:cNvSpPr>
+            <a:spLocks noGrp="1"/>
+          </p:cNvSpPr>
+          <p:nvPr>
+            <p:ph type="title"/>
+          </p:nvPr>
+        </p:nvSpPr>
+        <p:spPr>
+          <a:xfrm>
+            <a:off x="685801" y="0"/>
+            <a:ext cx="10396883" cy="2063396"/>
+          </a:xfrm>
+        </p:spPr>
+        <p:txBody>
+          <a:bodyPr>
+            <a:normAutofit/>
+          </a:bodyPr>
+          <a:lstStyle/>
+          <a:p>
+            <a:pPr algn="r"/>
+            <a:r>
+              <a:rPr lang="en-US" sz="4800" dirty="0"/>
+              <a:t>Post Mortem</a:t>
+            </a:r>
+          </a:p>
+        </p:txBody>
+      </p:sp>
+      <p:sp>
+        <p:nvSpPr>
+          <p:cNvPr id="3" name="Content Placeholder 2">
+            <a:extLst>
+              <a:ext uri="{FF2B5EF4-FFF2-40B4-BE49-F238E27FC236}">
+                <a16:creationId xmlns:a16="http://schemas.microsoft.com/office/drawing/2014/main" id="{4D7E8E3F-2CC9-E04B-A652-28D99DFBF90B}"/>
+              </a:ext>
+            </a:extLst>
+          </p:cNvPr>
+          <p:cNvSpPr>
+            <a:spLocks noGrp="1"/>
+          </p:cNvSpPr>
+          <p:nvPr>
+            <p:ph sz="quarter" idx="13"/>
+          </p:nvPr>
+        </p:nvSpPr>
+        <p:spPr>
+          <a:xfrm>
+            <a:off x="6260553" y="1438508"/>
+            <a:ext cx="4819956" cy="3936078"/>
+          </a:xfrm>
+        </p:spPr>
+        <p:txBody>
+          <a:bodyPr anchor="t">
+            <a:normAutofit/>
+          </a:bodyPr>
+          <a:lstStyle/>
+          <a:p>
+            <a:r>
+              <a:rPr lang="en-US" dirty="0"/>
+              <a:t>Home Team Advantage</a:t>
+            </a:r>
+          </a:p>
+          <a:p>
+            <a:r>
+              <a:rPr lang="en-US" dirty="0"/>
+              <a:t>At the whim of our </a:t>
+            </a:r>
+            <a:r>
+              <a:rPr lang="en-US" dirty="0" err="1"/>
+              <a:t>DataSETS</a:t>
+            </a:r>
+            <a:endParaRPr lang="en-US" dirty="0"/>
+          </a:p>
+          <a:p>
+            <a:r>
+              <a:rPr lang="en-US" dirty="0"/>
+              <a:t>Inherent Randomness in soccer</a:t>
+            </a:r>
+          </a:p>
+          <a:p>
+            <a:endParaRPr lang="en-US" dirty="0"/>
+          </a:p>
+        </p:txBody>
+      </p:sp>
+    </p:spTree>
+    <p:extLst>
+      <p:ext uri="{BB962C8B-B14F-4D97-AF65-F5344CB8AC3E}">
+        <p14:creationId xmlns:p14="http://schemas.microsoft.com/office/powerpoint/2010/main" val="4082290303"/>
+      </p:ext>
+    </p:extLst>
+  </p:cSld>
+  <p:clrMapOvr>
+    <a:masterClrMapping/>
+  </p:clrMapOvr>
+</p:sld>
+</file>
+
+<file path=ppt/slides/slide14.xml><?xml version="1.0" encoding="utf-8"?>
+<p:sld xmlns:a="http://schemas.openxmlformats.org/drawingml/2006/main" xmlns:r="http://schemas.openxmlformats.org/officeDocument/2006/relationships" xmlns:p="http://schemas.openxmlformats.org/presentationml/2006/main">
+  <p:cSld>
+    <p:spTree>
+      <p:nvGrpSpPr>
+        <p:cNvPr id="1" name=""/>
+        <p:cNvGrpSpPr/>
+        <p:nvPr/>
+      </p:nvGrpSpPr>
+      <p:grpSpPr>
+        <a:xfrm>
+          <a:off x="0" y="0"/>
+          <a:ext cx="0" cy="0"/>
+          <a:chOff x="0" y="0"/>
+          <a:chExt cx="0" cy="0"/>
+        </a:xfrm>
+      </p:grpSpPr>
+      <p:sp>
+        <p:nvSpPr>
+          <p:cNvPr id="2" name="Title 1">
+            <a:extLst>
+              <a:ext uri="{FF2B5EF4-FFF2-40B4-BE49-F238E27FC236}">
+                <a16:creationId xmlns:a16="http://schemas.microsoft.com/office/drawing/2014/main" id="{24E5E2C8-CCD6-3C4A-9049-9C2283AFAC3A}"/>
+              </a:ext>
+            </a:extLst>
+          </p:cNvPr>
+          <p:cNvSpPr>
+            <a:spLocks noGrp="1"/>
+          </p:cNvSpPr>
+          <p:nvPr>
+            <p:ph type="title"/>
+          </p:nvPr>
+        </p:nvSpPr>
+        <p:spPr>
+          <a:xfrm>
+            <a:off x="685801" y="0"/>
+            <a:ext cx="10396883" cy="2063396"/>
+          </a:xfrm>
+        </p:spPr>
+        <p:txBody>
+          <a:bodyPr>
+            <a:normAutofit/>
+          </a:bodyPr>
+          <a:lstStyle/>
+          <a:p>
+            <a:pPr algn="r"/>
+            <a:r>
+              <a:rPr lang="en-US" sz="4800" dirty="0"/>
+              <a:t>Q &amp; A</a:t>
+            </a:r>
+          </a:p>
+        </p:txBody>
+      </p:sp>
+      <p:sp>
+        <p:nvSpPr>
+          <p:cNvPr id="5" name="Content Placeholder 4">
+            <a:extLst>
+              <a:ext uri="{FF2B5EF4-FFF2-40B4-BE49-F238E27FC236}">
+                <a16:creationId xmlns:a16="http://schemas.microsoft.com/office/drawing/2014/main" id="{249CC1FC-1637-854D-9E67-5C072C12835D}"/>
+              </a:ext>
+            </a:extLst>
+          </p:cNvPr>
+          <p:cNvSpPr>
+            <a:spLocks noGrp="1"/>
+          </p:cNvSpPr>
+          <p:nvPr>
+            <p:ph sz="quarter" idx="13"/>
+          </p:nvPr>
+        </p:nvSpPr>
+        <p:spPr/>
+        <p:txBody>
+          <a:bodyPr/>
+          <a:lstStyle/>
+          <a:p>
+            <a:endParaRPr lang="en-US"/>
+          </a:p>
+        </p:txBody>
+      </p:sp>
+    </p:spTree>
+    <p:extLst>
+      <p:ext uri="{BB962C8B-B14F-4D97-AF65-F5344CB8AC3E}">
+        <p14:creationId xmlns:p14="http://schemas.microsoft.com/office/powerpoint/2010/main" val="3463085305"/>
       </p:ext>
     </p:extLst>
   </p:cSld>
@@ -6158,16 +6829,22 @@
             <p:ph type="title"/>
           </p:nvPr>
         </p:nvSpPr>
-        <p:spPr/>
+        <p:spPr>
+          <a:xfrm>
+            <a:off x="685801" y="0"/>
+            <a:ext cx="10396883" cy="2063396"/>
+          </a:xfrm>
+        </p:spPr>
         <p:txBody>
           <a:bodyPr>
-            <a:normAutofit fontScale="90000"/>
+            <a:normAutofit/>
           </a:bodyPr>
           <a:lstStyle/>
           <a:p>
-            <a:r>
-              <a:rPr lang="en-US" dirty="0"/>
-              <a:t>FIFA 2018 Prediction - Team members</a:t>
+            <a:pPr algn="r"/>
+            <a:r>
+              <a:rPr lang="en-US" sz="4800" dirty="0"/>
+              <a:t>Summary</a:t>
             </a:r>
           </a:p>
         </p:txBody>
@@ -6190,67 +6867,87 @@
         </p:nvSpPr>
         <p:spPr>
           <a:xfrm>
-            <a:off x="685800" y="2063396"/>
-            <a:ext cx="10394707" cy="3311189"/>
-          </a:xfrm>
-        </p:spPr>
-        <p:txBody>
-          <a:bodyPr/>
-          <a:lstStyle/>
-          <a:p>
-            <a:pPr fontAlgn="base"/>
-            <a:r>
-              <a:rPr lang="en-US" sz="1800" cap="none" dirty="0"/>
-              <a:t>Michael </a:t>
-            </a:r>
-            <a:r>
-              <a:rPr lang="en-US" sz="1800" cap="none" dirty="0" err="1"/>
-              <a:t>Strenk</a:t>
-            </a:r>
-            <a:endParaRPr lang="en-US" sz="1800" cap="none" dirty="0"/>
-          </a:p>
-          <a:p>
-            <a:pPr fontAlgn="base"/>
-            <a:r>
-              <a:rPr lang="en-US" sz="1800" cap="none" dirty="0"/>
-              <a:t>Chandra Karanam</a:t>
-            </a:r>
-          </a:p>
-          <a:p>
-            <a:pPr fontAlgn="base"/>
-            <a:r>
-              <a:rPr lang="en-US" sz="1800" cap="none" dirty="0"/>
-              <a:t>Ross Lovelace</a:t>
-            </a:r>
-          </a:p>
-          <a:p>
-            <a:pPr fontAlgn="base"/>
-            <a:r>
-              <a:rPr lang="en-US" sz="1800" cap="none" dirty="0" err="1"/>
-              <a:t>Vedant</a:t>
-            </a:r>
-            <a:r>
-              <a:rPr lang="en-US" sz="1800" cap="none" dirty="0"/>
-              <a:t> </a:t>
-            </a:r>
-            <a:r>
-              <a:rPr lang="en-US" sz="1800" cap="none" dirty="0" err="1"/>
-              <a:t>Vashishth</a:t>
-            </a:r>
-            <a:endParaRPr lang="en-US" sz="1800" cap="none" dirty="0"/>
-          </a:p>
-          <a:p>
-            <a:pPr marL="0" indent="0">
-              <a:buNone/>
-            </a:pPr>
-            <a:endParaRPr lang="en-US" dirty="0"/>
+            <a:off x="2720899" y="1438508"/>
+            <a:ext cx="8359610" cy="3936078"/>
+          </a:xfrm>
+        </p:spPr>
+        <p:txBody>
+          <a:bodyPr anchor="t">
+            <a:normAutofit/>
+          </a:bodyPr>
+          <a:lstStyle/>
+          <a:p>
+            <a:r>
+              <a:rPr lang="en-US" dirty="0"/>
+              <a:t>Core Questions</a:t>
+            </a:r>
+          </a:p>
+          <a:p>
+            <a:pPr lvl="1"/>
+            <a:r>
+              <a:rPr lang="en-US" dirty="0" err="1"/>
+              <a:t>CaN</a:t>
+            </a:r>
+            <a:r>
+              <a:rPr lang="en-US" dirty="0"/>
+              <a:t> video Game Data make reasonable predictions?</a:t>
+            </a:r>
+          </a:p>
+          <a:p>
+            <a:pPr lvl="1"/>
+            <a:r>
+              <a:rPr lang="en-US" dirty="0"/>
+              <a:t>Which statistical model would be most appropriate for modeling soccer games?</a:t>
+            </a:r>
+          </a:p>
+          <a:p>
+            <a:pPr lvl="1"/>
+            <a:r>
+              <a:rPr lang="en-US" dirty="0"/>
+              <a:t>What is the probability that each team would win the world cup?</a:t>
+            </a:r>
+          </a:p>
+          <a:p>
+            <a:r>
+              <a:rPr lang="en-US" dirty="0"/>
+              <a:t>Data Used</a:t>
+            </a:r>
+          </a:p>
+          <a:p>
+            <a:pPr lvl="1"/>
+            <a:r>
+              <a:rPr lang="en-US" dirty="0" err="1"/>
+              <a:t>Fifa</a:t>
+            </a:r>
+            <a:r>
+              <a:rPr lang="en-US" dirty="0"/>
+              <a:t> 18 Video Game player Statistics</a:t>
+            </a:r>
+          </a:p>
+          <a:p>
+            <a:pPr lvl="1"/>
+            <a:r>
+              <a:rPr lang="en-US" dirty="0"/>
+              <a:t>European Club League Results</a:t>
+            </a:r>
+          </a:p>
+          <a:p>
+            <a:pPr lvl="1"/>
+            <a:r>
+              <a:rPr lang="en-US" dirty="0"/>
+              <a:t>World Cup Schedule</a:t>
+            </a:r>
+          </a:p>
+          <a:p>
+            <a:pPr lvl="2" fontAlgn="base"/>
+            <a:endParaRPr lang="en-US" sz="2000" dirty="0"/>
           </a:p>
         </p:txBody>
       </p:sp>
     </p:spTree>
     <p:extLst>
       <p:ext uri="{BB962C8B-B14F-4D97-AF65-F5344CB8AC3E}">
-        <p14:creationId xmlns:p14="http://schemas.microsoft.com/office/powerpoint/2010/main" val="1047139104"/>
+        <p14:creationId xmlns:p14="http://schemas.microsoft.com/office/powerpoint/2010/main" val="1095419278"/>
       </p:ext>
     </p:extLst>
   </p:cSld>
@@ -6282,7 +6979,7 @@
           <p:cNvPr id="2" name="Title 1">
             <a:extLst>
               <a:ext uri="{FF2B5EF4-FFF2-40B4-BE49-F238E27FC236}">
-                <a16:creationId xmlns:a16="http://schemas.microsoft.com/office/drawing/2014/main" id="{B5BB46A0-D148-EA44-9CD1-C85716E084B0}"/>
+                <a16:creationId xmlns:a16="http://schemas.microsoft.com/office/drawing/2014/main" id="{24E5E2C8-CCD6-3C4A-9049-9C2283AFAC3A}"/>
               </a:ext>
             </a:extLst>
           </p:cNvPr>
@@ -6295,19 +6992,20 @@
         </p:nvSpPr>
         <p:spPr>
           <a:xfrm>
-            <a:off x="685801" y="685801"/>
-            <a:ext cx="10396882" cy="763858"/>
+            <a:off x="685801" y="0"/>
+            <a:ext cx="10396883" cy="2063396"/>
           </a:xfrm>
         </p:spPr>
         <p:txBody>
           <a:bodyPr>
-            <a:normAutofit fontScale="90000"/>
+            <a:normAutofit/>
           </a:bodyPr>
           <a:lstStyle/>
           <a:p>
-            <a:r>
-              <a:rPr lang="en-US" dirty="0"/>
-              <a:t>Game &amp; factors</a:t>
+            <a:pPr algn="r"/>
+            <a:r>
+              <a:rPr lang="en-US" sz="4800" dirty="0"/>
+              <a:t>Data Processing</a:t>
             </a:r>
           </a:p>
         </p:txBody>
@@ -6317,7 +7015,7 @@
           <p:cNvPr id="3" name="Content Placeholder 2">
             <a:extLst>
               <a:ext uri="{FF2B5EF4-FFF2-40B4-BE49-F238E27FC236}">
-                <a16:creationId xmlns:a16="http://schemas.microsoft.com/office/drawing/2014/main" id="{6CE418D4-A4E9-5A40-9545-7CA0C414FCB6}"/>
+                <a16:creationId xmlns:a16="http://schemas.microsoft.com/office/drawing/2014/main" id="{4D7E8E3F-2CC9-E04B-A652-28D99DFBF90B}"/>
               </a:ext>
             </a:extLst>
           </p:cNvPr>
@@ -6330,55 +7028,47 @@
         </p:nvSpPr>
         <p:spPr>
           <a:xfrm>
-            <a:off x="685800" y="1750742"/>
-            <a:ext cx="10394707" cy="3623844"/>
-          </a:xfrm>
-        </p:spPr>
-        <p:txBody>
-          <a:bodyPr/>
-          <a:lstStyle/>
-          <a:p>
-            <a:pPr marL="0" indent="0">
-              <a:buNone/>
-            </a:pPr>
-            <a:r>
-              <a:rPr lang="en-US" cap="none" dirty="0"/>
-              <a:t>When We Started With The Project, First We Tried To Get Familiarized With Game Rules And Discussed Below </a:t>
-            </a:r>
-          </a:p>
-          <a:p>
-            <a:r>
-              <a:rPr lang="en-US" cap="none" dirty="0"/>
-              <a:t>What Drives Team To Win </a:t>
-            </a:r>
-            <a:r>
-              <a:rPr lang="en-US" cap="none" dirty="0" err="1"/>
-              <a:t>Fifa</a:t>
-            </a:r>
-            <a:endParaRPr lang="en-US" cap="none" dirty="0"/>
-          </a:p>
-          <a:p>
-            <a:r>
-              <a:rPr lang="en-US" cap="none" dirty="0"/>
-              <a:t>How A Player Performance Majorly Contribute To A Team</a:t>
-            </a:r>
-          </a:p>
-          <a:p>
-            <a:r>
-              <a:rPr lang="en-US" cap="none" dirty="0"/>
-              <a:t>Does Strong Team Ever Lost ?  What Factors Caused?</a:t>
-            </a:r>
-          </a:p>
-          <a:p>
-            <a:r>
-              <a:rPr lang="en-US" cap="none" dirty="0"/>
-              <a:t>Which Player In Which Positions And His Strength In Defending Or Attacking</a:t>
-            </a:r>
-          </a:p>
-          <a:p>
-            <a:r>
-              <a:rPr lang="en-US" cap="none" dirty="0"/>
-              <a:t>Earlier Stats Of The Teams And How Many Wins And Titles</a:t>
+            <a:off x="2720899" y="1438508"/>
+            <a:ext cx="8359610" cy="3936078"/>
+          </a:xfrm>
+        </p:spPr>
+        <p:txBody>
+          <a:bodyPr anchor="t">
+            <a:normAutofit/>
+          </a:bodyPr>
+          <a:lstStyle/>
+          <a:p>
+            <a:r>
+              <a:rPr lang="en-US" dirty="0"/>
+              <a:t>Cleaning</a:t>
+            </a:r>
+          </a:p>
+          <a:p>
+            <a:pPr lvl="1"/>
+            <a:r>
+              <a:rPr lang="en-US" dirty="0"/>
+              <a:t>Ensure team and country spellings are the same</a:t>
+            </a:r>
+          </a:p>
+          <a:p>
+            <a:pPr lvl="1"/>
+            <a:r>
+              <a:rPr lang="en-US" dirty="0"/>
+              <a:t>Assign position categories to players</a:t>
+            </a:r>
+          </a:p>
+          <a:p>
+            <a:pPr lvl="1"/>
+            <a:r>
+              <a:rPr lang="en-US" dirty="0"/>
+              <a:t>Calculate aggregate team ratings based on position categories</a:t>
+            </a:r>
+          </a:p>
+          <a:p>
+            <a:pPr lvl="1"/>
+            <a:r>
+              <a:rPr lang="en-US" dirty="0"/>
+              <a:t>Reformat schedule data</a:t>
             </a:r>
           </a:p>
         </p:txBody>
@@ -6386,7 +7076,7 @@
     </p:spTree>
     <p:extLst>
       <p:ext uri="{BB962C8B-B14F-4D97-AF65-F5344CB8AC3E}">
-        <p14:creationId xmlns:p14="http://schemas.microsoft.com/office/powerpoint/2010/main" val="1417946105"/>
+        <p14:creationId xmlns:p14="http://schemas.microsoft.com/office/powerpoint/2010/main" val="3553164032"/>
       </p:ext>
     </p:extLst>
   </p:cSld>
@@ -6418,7 +7108,7 @@
           <p:cNvPr id="2" name="Title 1">
             <a:extLst>
               <a:ext uri="{FF2B5EF4-FFF2-40B4-BE49-F238E27FC236}">
-                <a16:creationId xmlns:a16="http://schemas.microsoft.com/office/drawing/2014/main" id="{A6ACCF8A-4CA7-FD4B-9DAC-C155D92ED296}"/>
+                <a16:creationId xmlns:a16="http://schemas.microsoft.com/office/drawing/2014/main" id="{24E5E2C8-CCD6-3C4A-9049-9C2283AFAC3A}"/>
               </a:ext>
             </a:extLst>
           </p:cNvPr>
@@ -6429,27 +7119,65 @@
             <p:ph type="title"/>
           </p:nvPr>
         </p:nvSpPr>
-        <p:spPr/>
-        <p:txBody>
-          <a:bodyPr/>
-          <a:lstStyle/>
-          <a:p>
-            <a:r>
-              <a:rPr lang="en-US" dirty="0"/>
-              <a:t>Data accumulation</a:t>
-            </a:r>
-          </a:p>
-        </p:txBody>
-      </p:sp>
-      <p:sp>
-        <p:nvSpPr>
-          <p:cNvPr id="3" name="Content Placeholder 2">
+        <p:spPr>
+          <a:xfrm>
+            <a:off x="685801" y="0"/>
+            <a:ext cx="10396883" cy="2063396"/>
+          </a:xfrm>
+        </p:spPr>
+        <p:txBody>
+          <a:bodyPr>
+            <a:normAutofit/>
+          </a:bodyPr>
+          <a:lstStyle/>
+          <a:p>
+            <a:pPr algn="r"/>
+            <a:r>
+              <a:rPr lang="en-US" sz="4800" dirty="0"/>
+              <a:t>Data Exploration</a:t>
+            </a:r>
+          </a:p>
+        </p:txBody>
+      </p:sp>
+      <p:pic>
+        <p:nvPicPr>
+          <p:cNvPr id="9" name="Picture 8">
             <a:extLst>
               <a:ext uri="{FF2B5EF4-FFF2-40B4-BE49-F238E27FC236}">
-                <a16:creationId xmlns:a16="http://schemas.microsoft.com/office/drawing/2014/main" id="{1B804B8C-7B34-9942-A2DD-55F6EDAEB1E6}"/>
+                <a16:creationId xmlns:a16="http://schemas.microsoft.com/office/drawing/2014/main" id="{FB2E2D0F-018F-194F-A5DA-F744E03FDBF1}"/>
               </a:ext>
             </a:extLst>
           </p:cNvPr>
+          <p:cNvPicPr>
+            <a:picLocks noChangeAspect="1"/>
+          </p:cNvPicPr>
+          <p:nvPr/>
+        </p:nvPicPr>
+        <p:blipFill>
+          <a:blip r:embed="rId2"/>
+          <a:stretch>
+            <a:fillRect/>
+          </a:stretch>
+        </p:blipFill>
+        <p:spPr>
+          <a:xfrm>
+            <a:off x="5595196" y="1716985"/>
+            <a:ext cx="5486400" cy="3657600"/>
+          </a:xfrm>
+          <a:prstGeom prst="rect">
+            <a:avLst/>
+          </a:prstGeom>
+        </p:spPr>
+      </p:pic>
+      <p:sp>
+        <p:nvSpPr>
+          <p:cNvPr id="11" name="Content Placeholder 10">
+            <a:extLst>
+              <a:ext uri="{FF2B5EF4-FFF2-40B4-BE49-F238E27FC236}">
+                <a16:creationId xmlns:a16="http://schemas.microsoft.com/office/drawing/2014/main" id="{729A5EBF-030F-144E-AD3C-726C6EB98FE7}"/>
+              </a:ext>
+            </a:extLst>
+          </p:cNvPr>
           <p:cNvSpPr>
             <a:spLocks noGrp="1"/>
           </p:cNvSpPr>
@@ -6462,41 +7190,14 @@
           <a:bodyPr/>
           <a:lstStyle/>
           <a:p>
-            <a:r>
-              <a:rPr lang="en-US" cap="none" dirty="0"/>
-              <a:t>To Figured Out The Game Rules And Winning Factors And Forecast Future Results We Are Supposed To Have Some Past Data That Can Help With The Prediction</a:t>
-            </a:r>
-          </a:p>
-          <a:p>
-            <a:r>
-              <a:rPr lang="en-US" cap="none" dirty="0"/>
-              <a:t>Reliability</a:t>
-            </a:r>
-          </a:p>
-          <a:p>
-            <a:r>
-              <a:rPr lang="en-US" cap="none" dirty="0"/>
-              <a:t>Volume Of Data Required For Local Analysis </a:t>
-            </a:r>
-          </a:p>
-          <a:p>
-            <a:r>
-              <a:rPr lang="en-US" cap="none" dirty="0"/>
-              <a:t>Feedback On The Dataset</a:t>
-            </a:r>
-          </a:p>
-          <a:p>
-            <a:r>
-              <a:rPr lang="en-US" cap="none" dirty="0"/>
-              <a:t>Collected Individual Player Data And League Data</a:t>
-            </a:r>
+            <a:endParaRPr lang="en-US"/>
           </a:p>
         </p:txBody>
       </p:sp>
     </p:spTree>
     <p:extLst>
       <p:ext uri="{BB962C8B-B14F-4D97-AF65-F5344CB8AC3E}">
-        <p14:creationId xmlns:p14="http://schemas.microsoft.com/office/powerpoint/2010/main" val="789665772"/>
+        <p14:creationId xmlns:p14="http://schemas.microsoft.com/office/powerpoint/2010/main" val="3114538962"/>
       </p:ext>
     </p:extLst>
   </p:cSld>
@@ -6528,7 +7229,7 @@
           <p:cNvPr id="2" name="Title 1">
             <a:extLst>
               <a:ext uri="{FF2B5EF4-FFF2-40B4-BE49-F238E27FC236}">
-                <a16:creationId xmlns:a16="http://schemas.microsoft.com/office/drawing/2014/main" id="{14876CC6-1A7B-FB42-81C7-85A58DCC6004}"/>
+                <a16:creationId xmlns:a16="http://schemas.microsoft.com/office/drawing/2014/main" id="{24E5E2C8-CCD6-3C4A-9049-9C2283AFAC3A}"/>
               </a:ext>
             </a:extLst>
           </p:cNvPr>
@@ -6539,83 +7240,59 @@
             <p:ph type="title"/>
           </p:nvPr>
         </p:nvSpPr>
-        <p:spPr/>
-        <p:txBody>
-          <a:bodyPr/>
-          <a:lstStyle/>
-          <a:p>
-            <a:r>
-              <a:rPr lang="en-US" dirty="0"/>
-              <a:t>Data cleanup &amp; Exploration</a:t>
-            </a:r>
-          </a:p>
-        </p:txBody>
-      </p:sp>
-      <p:sp>
-        <p:nvSpPr>
-          <p:cNvPr id="3" name="Content Placeholder 2">
+        <p:spPr>
+          <a:xfrm>
+            <a:off x="685801" y="0"/>
+            <a:ext cx="10396883" cy="2063396"/>
+          </a:xfrm>
+        </p:spPr>
+        <p:txBody>
+          <a:bodyPr>
+            <a:normAutofit/>
+          </a:bodyPr>
+          <a:lstStyle/>
+          <a:p>
+            <a:pPr algn="r"/>
+            <a:r>
+              <a:rPr lang="en-US" sz="4800" dirty="0"/>
+              <a:t>Data Exploration</a:t>
+            </a:r>
+          </a:p>
+        </p:txBody>
+      </p:sp>
+      <p:pic>
+        <p:nvPicPr>
+          <p:cNvPr id="7" name="Content Placeholder 6">
             <a:extLst>
               <a:ext uri="{FF2B5EF4-FFF2-40B4-BE49-F238E27FC236}">
-                <a16:creationId xmlns:a16="http://schemas.microsoft.com/office/drawing/2014/main" id="{145D555D-D8E5-DE42-8C04-09D078E9C03C}"/>
+                <a16:creationId xmlns:a16="http://schemas.microsoft.com/office/drawing/2014/main" id="{C8B08121-E5FD-814D-91B1-B97E43BF4596}"/>
               </a:ext>
             </a:extLst>
           </p:cNvPr>
-          <p:cNvSpPr>
-            <a:spLocks noGrp="1"/>
-          </p:cNvSpPr>
+          <p:cNvPicPr>
+            <a:picLocks noGrp="1" noChangeAspect="1"/>
+          </p:cNvPicPr>
           <p:nvPr>
             <p:ph sz="quarter" idx="13"/>
           </p:nvPr>
-        </p:nvSpPr>
-        <p:spPr/>
-        <p:txBody>
-          <a:bodyPr/>
-          <a:lstStyle/>
-          <a:p>
-            <a:pPr marL="0" indent="0">
-              <a:buNone/>
-            </a:pPr>
-            <a:r>
-              <a:rPr lang="en-US" cap="none" dirty="0"/>
-              <a:t>After Gathering Required Raw Data From The Kaggle , Diving Into The Data: </a:t>
-            </a:r>
-          </a:p>
-          <a:p>
-            <a:r>
-              <a:rPr lang="en-US" cap="none" dirty="0"/>
-              <a:t>We Removed Few Columns Which Are Not Useful For Analysis. </a:t>
-            </a:r>
-          </a:p>
-          <a:p>
-            <a:r>
-              <a:rPr lang="en-US" cap="none" dirty="0"/>
-              <a:t>Cleaned Up Blank Values. </a:t>
-            </a:r>
-          </a:p>
-          <a:p>
-            <a:r>
-              <a:rPr lang="en-US" cap="none" dirty="0"/>
-              <a:t>Dropped Unnamed Columns</a:t>
-            </a:r>
-          </a:p>
-          <a:p>
-            <a:r>
-              <a:rPr lang="en-US" cap="none" dirty="0"/>
-              <a:t>Indexed Data With Right Columns</a:t>
-            </a:r>
-          </a:p>
-          <a:p>
-            <a:r>
-              <a:rPr lang="en-US" cap="none" dirty="0"/>
-              <a:t>Derive Consolidated Values For Attack, Defense And Midfield Statistics. </a:t>
-            </a:r>
-          </a:p>
-        </p:txBody>
-      </p:sp>
+        </p:nvPicPr>
+        <p:blipFill>
+          <a:blip r:embed="rId2"/>
+          <a:stretch>
+            <a:fillRect/>
+          </a:stretch>
+        </p:blipFill>
+        <p:spPr>
+          <a:xfrm>
+            <a:off x="6115397" y="1985758"/>
+            <a:ext cx="4967287" cy="3311525"/>
+          </a:xfrm>
+        </p:spPr>
+      </p:pic>
     </p:spTree>
     <p:extLst>
       <p:ext uri="{BB962C8B-B14F-4D97-AF65-F5344CB8AC3E}">
-        <p14:creationId xmlns:p14="http://schemas.microsoft.com/office/powerpoint/2010/main" val="2993961938"/>
+        <p14:creationId xmlns:p14="http://schemas.microsoft.com/office/powerpoint/2010/main" val="3375092603"/>
       </p:ext>
     </p:extLst>
   </p:cSld>
@@ -6647,7 +7324,7 @@
           <p:cNvPr id="2" name="Title 1">
             <a:extLst>
               <a:ext uri="{FF2B5EF4-FFF2-40B4-BE49-F238E27FC236}">
-                <a16:creationId xmlns:a16="http://schemas.microsoft.com/office/drawing/2014/main" id="{271C5E43-7CED-2749-80B6-264E6A295735}"/>
+                <a16:creationId xmlns:a16="http://schemas.microsoft.com/office/drawing/2014/main" id="{24E5E2C8-CCD6-3C4A-9049-9C2283AFAC3A}"/>
               </a:ext>
             </a:extLst>
           </p:cNvPr>
@@ -6658,14 +7335,22 @@
             <p:ph type="title"/>
           </p:nvPr>
         </p:nvSpPr>
-        <p:spPr/>
-        <p:txBody>
-          <a:bodyPr/>
-          <a:lstStyle/>
-          <a:p>
-            <a:r>
-              <a:rPr lang="en-US" dirty="0"/>
-              <a:t>Analysis and strategies</a:t>
+        <p:spPr>
+          <a:xfrm>
+            <a:off x="685801" y="0"/>
+            <a:ext cx="10396883" cy="2063396"/>
+          </a:xfrm>
+        </p:spPr>
+        <p:txBody>
+          <a:bodyPr>
+            <a:normAutofit/>
+          </a:bodyPr>
+          <a:lstStyle/>
+          <a:p>
+            <a:pPr algn="r"/>
+            <a:r>
+              <a:rPr lang="en-US" sz="4800" dirty="0"/>
+              <a:t>Machine Learning Approach</a:t>
             </a:r>
           </a:p>
         </p:txBody>
@@ -6675,7 +7360,7 @@
           <p:cNvPr id="3" name="Content Placeholder 2">
             <a:extLst>
               <a:ext uri="{FF2B5EF4-FFF2-40B4-BE49-F238E27FC236}">
-                <a16:creationId xmlns:a16="http://schemas.microsoft.com/office/drawing/2014/main" id="{9B8B264D-7715-4949-9AF5-5C98FBF2AC21}"/>
+                <a16:creationId xmlns:a16="http://schemas.microsoft.com/office/drawing/2014/main" id="{4D7E8E3F-2CC9-E04B-A652-28D99DFBF90B}"/>
               </a:ext>
             </a:extLst>
           </p:cNvPr>
@@ -6686,57 +7371,57 @@
             <p:ph sz="quarter" idx="13"/>
           </p:nvPr>
         </p:nvSpPr>
-        <p:spPr/>
-        <p:txBody>
-          <a:bodyPr>
-            <a:normAutofit fontScale="85000" lnSpcReduction="10000"/>
+        <p:spPr>
+          <a:xfrm>
+            <a:off x="2720899" y="1438508"/>
+            <a:ext cx="8359610" cy="3936078"/>
+          </a:xfrm>
+        </p:spPr>
+        <p:txBody>
+          <a:bodyPr anchor="t">
+            <a:normAutofit/>
           </a:bodyPr>
           <a:lstStyle/>
           <a:p>
-            <a:pPr marL="0" indent="0">
+            <a:pPr marL="0" indent="0" algn="ctr">
               <a:buNone/>
             </a:pPr>
             <a:r>
-              <a:rPr lang="en-US" cap="none" dirty="0"/>
-              <a:t>To Get The Prediction What Analysis Need To Be Done ???</a:t>
-            </a:r>
-          </a:p>
-          <a:p>
-            <a:r>
-              <a:rPr lang="en-US" cap="none" dirty="0"/>
-              <a:t>Combine All Past Leagues Data And Get The Team Home Team/Away Team Win Rate Or Draw Rate.  Get Attack, Defense &amp; Mid Field Details Of Both Teams. { Prepare Data Frame For Each }</a:t>
-            </a:r>
-          </a:p>
-          <a:p>
-            <a:r>
-              <a:rPr lang="en-US" cap="none" dirty="0"/>
-              <a:t>Feed Test Data Sets To Poisson Regression Model . </a:t>
-            </a:r>
-          </a:p>
-          <a:p>
-            <a:r>
-              <a:rPr lang="en-US" cap="none" dirty="0"/>
-              <a:t>Get Team Stats For Each Nation And Feed It To The Goal And Match Simulator To The Get The Prediction Of First Match.</a:t>
-            </a:r>
-          </a:p>
-          <a:p>
-            <a:r>
-              <a:rPr lang="en-US" cap="none" dirty="0"/>
-              <a:t>Follow The Same For All Leagues And Do Several Iterations To Test The Code And To Get Accurate Predictions. </a:t>
-            </a:r>
-          </a:p>
-          <a:p>
-            <a:r>
-              <a:rPr lang="en-US" cap="none" dirty="0"/>
-              <a:t>Loop The Predictions For All Leagues Followed By The Other Knockout Matches As Well.       </a:t>
-            </a:r>
+              <a:rPr lang="en-US" dirty="0"/>
+              <a:t>Machine Learning Accuracy</a:t>
+            </a:r>
+          </a:p>
+          <a:p>
+            <a:pPr lvl="2" algn="ctr"/>
+            <a:r>
+              <a:rPr lang="en-US" dirty="0"/>
+              <a:t>Linear Reg Model: 		44.0%</a:t>
+            </a:r>
+          </a:p>
+          <a:p>
+            <a:pPr lvl="2" algn="ctr"/>
+            <a:r>
+              <a:rPr lang="en-US" dirty="0"/>
+              <a:t>Logistic Reg Model: 	26.0% </a:t>
+            </a:r>
+          </a:p>
+          <a:p>
+            <a:pPr lvl="2" algn="ctr"/>
+            <a:r>
+              <a:rPr lang="en-US" dirty="0"/>
+              <a:t>Classification Model: 	19.0% </a:t>
+            </a:r>
+          </a:p>
+          <a:p>
+            <a:pPr lvl="1"/>
+            <a:endParaRPr lang="en-US" dirty="0"/>
           </a:p>
         </p:txBody>
       </p:sp>
     </p:spTree>
     <p:extLst>
       <p:ext uri="{BB962C8B-B14F-4D97-AF65-F5344CB8AC3E}">
-        <p14:creationId xmlns:p14="http://schemas.microsoft.com/office/powerpoint/2010/main" val="1263656180"/>
+        <p14:creationId xmlns:p14="http://schemas.microsoft.com/office/powerpoint/2010/main" val="2307396072"/>
       </p:ext>
     </p:extLst>
   </p:cSld>
@@ -6768,7 +7453,7 @@
           <p:cNvPr id="2" name="Title 1">
             <a:extLst>
               <a:ext uri="{FF2B5EF4-FFF2-40B4-BE49-F238E27FC236}">
-                <a16:creationId xmlns:a16="http://schemas.microsoft.com/office/drawing/2014/main" id="{682C567F-3C37-254A-AA6F-767E1A6AD6ED}"/>
+                <a16:creationId xmlns:a16="http://schemas.microsoft.com/office/drawing/2014/main" id="{24E5E2C8-CCD6-3C4A-9049-9C2283AFAC3A}"/>
               </a:ext>
             </a:extLst>
           </p:cNvPr>
@@ -6779,14 +7464,22 @@
             <p:ph type="title"/>
           </p:nvPr>
         </p:nvSpPr>
-        <p:spPr/>
-        <p:txBody>
-          <a:bodyPr/>
-          <a:lstStyle/>
-          <a:p>
-            <a:r>
-              <a:rPr lang="en-US" dirty="0"/>
-              <a:t>Numerical Facts </a:t>
+        <p:spPr>
+          <a:xfrm>
+            <a:off x="685801" y="0"/>
+            <a:ext cx="10396883" cy="2063396"/>
+          </a:xfrm>
+        </p:spPr>
+        <p:txBody>
+          <a:bodyPr>
+            <a:normAutofit/>
+          </a:bodyPr>
+          <a:lstStyle/>
+          <a:p>
+            <a:pPr algn="r"/>
+            <a:r>
+              <a:rPr lang="en-US" sz="4800" dirty="0"/>
+              <a:t>Poisson Approach</a:t>
             </a:r>
           </a:p>
         </p:txBody>
@@ -6796,7 +7489,7 @@
           <p:cNvPr id="3" name="Content Placeholder 2">
             <a:extLst>
               <a:ext uri="{FF2B5EF4-FFF2-40B4-BE49-F238E27FC236}">
-                <a16:creationId xmlns:a16="http://schemas.microsoft.com/office/drawing/2014/main" id="{FA5AD07C-D1D3-3B42-950C-B487EFAD865F}"/>
+                <a16:creationId xmlns:a16="http://schemas.microsoft.com/office/drawing/2014/main" id="{4D7E8E3F-2CC9-E04B-A652-28D99DFBF90B}"/>
               </a:ext>
             </a:extLst>
           </p:cNvPr>
@@ -6807,20 +7500,123 @@
             <p:ph sz="quarter" idx="13"/>
           </p:nvPr>
         </p:nvSpPr>
-        <p:spPr/>
-        <p:txBody>
-          <a:bodyPr/>
+        <p:spPr>
+          <a:xfrm>
+            <a:off x="2899317" y="1438508"/>
+            <a:ext cx="8181192" cy="3936078"/>
+          </a:xfrm>
+        </p:spPr>
+        <p:txBody>
+          <a:bodyPr anchor="t">
+            <a:normAutofit/>
+          </a:bodyPr>
           <a:lstStyle/>
           <a:p>
             <a:r>
               <a:rPr lang="en-US" dirty="0"/>
-              <a:t>Numbers found in process</a:t>
-            </a:r>
-          </a:p>
-          <a:p>
+              <a:t>Poisson distributions represent the probability of a given number of events occurring in a fixed time if these events occur independently of the time since the last event.</a:t>
+            </a:r>
+          </a:p>
+        </p:txBody>
+      </p:sp>
+      <p:pic>
+        <p:nvPicPr>
+          <p:cNvPr id="8" name="Picture 7">
+            <a:extLst>
+              <a:ext uri="{FF2B5EF4-FFF2-40B4-BE49-F238E27FC236}">
+                <a16:creationId xmlns:a16="http://schemas.microsoft.com/office/drawing/2014/main" id="{E0D3801E-B21F-4143-B1F6-FD5B0A3E9E92}"/>
+              </a:ext>
+            </a:extLst>
+          </p:cNvPr>
+          <p:cNvPicPr>
+            <a:picLocks noChangeAspect="1"/>
+          </p:cNvPicPr>
+          <p:nvPr/>
+        </p:nvPicPr>
+        <p:blipFill>
+          <a:blip r:embed="rId2"/>
+          <a:stretch>
+            <a:fillRect/>
+          </a:stretch>
+        </p:blipFill>
+        <p:spPr>
+          <a:xfrm>
+            <a:off x="4081346" y="2913280"/>
+            <a:ext cx="6063166" cy="2301464"/>
+          </a:xfrm>
+          <a:prstGeom prst="rect">
+            <a:avLst/>
+          </a:prstGeom>
+        </p:spPr>
+      </p:pic>
+      <p:sp>
+        <p:nvSpPr>
+          <p:cNvPr id="9" name="TextBox 8">
+            <a:extLst>
+              <a:ext uri="{FF2B5EF4-FFF2-40B4-BE49-F238E27FC236}">
+                <a16:creationId xmlns:a16="http://schemas.microsoft.com/office/drawing/2014/main" id="{E679A59B-B535-BC4E-BBD8-FC2D7AADCAD2}"/>
+              </a:ext>
+            </a:extLst>
+          </p:cNvPr>
+          <p:cNvSpPr txBox="1"/>
+          <p:nvPr/>
+        </p:nvSpPr>
+        <p:spPr>
+          <a:xfrm>
+            <a:off x="4079171" y="2543948"/>
+            <a:ext cx="6065341" cy="369332"/>
+          </a:xfrm>
+          <a:prstGeom prst="rect">
+            <a:avLst/>
+          </a:prstGeom>
+          <a:noFill/>
+        </p:spPr>
+        <p:txBody>
+          <a:bodyPr wrap="square" rtlCol="0">
+            <a:spAutoFit/>
+          </a:bodyPr>
+          <a:lstStyle/>
+          <a:p>
+            <a:pPr algn="ctr"/>
             <a:r>
               <a:rPr lang="en-US" dirty="0"/>
-              <a:t>Pics of graphs if any</a:t>
+              <a:t>Team B Goals</a:t>
+            </a:r>
+          </a:p>
+        </p:txBody>
+      </p:sp>
+      <p:sp>
+        <p:nvSpPr>
+          <p:cNvPr id="10" name="TextBox 9">
+            <a:extLst>
+              <a:ext uri="{FF2B5EF4-FFF2-40B4-BE49-F238E27FC236}">
+                <a16:creationId xmlns:a16="http://schemas.microsoft.com/office/drawing/2014/main" id="{6BCD5B51-91CB-664D-A696-E9E9EDC1A640}"/>
+              </a:ext>
+            </a:extLst>
+          </p:cNvPr>
+          <p:cNvSpPr txBox="1"/>
+          <p:nvPr/>
+        </p:nvSpPr>
+        <p:spPr>
+          <a:xfrm rot="16200000">
+            <a:off x="2744861" y="3879346"/>
+            <a:ext cx="2301464" cy="369332"/>
+          </a:xfrm>
+          <a:prstGeom prst="rect">
+            <a:avLst/>
+          </a:prstGeom>
+          <a:noFill/>
+        </p:spPr>
+        <p:txBody>
+          <a:bodyPr wrap="square" rtlCol="0">
+            <a:spAutoFit/>
+          </a:bodyPr>
+          <a:lstStyle/>
+          <a:p>
+            <a:pPr algn="ctr"/>
+            <a:r>
+              <a:rPr lang="en-US" dirty="0"/>
+              <a:t>Team A Goals</a:t>
             </a:r>
           </a:p>
         </p:txBody>
@@ -6828,7 +7624,7 @@
     </p:spTree>
     <p:extLst>
       <p:ext uri="{BB962C8B-B14F-4D97-AF65-F5344CB8AC3E}">
-        <p14:creationId xmlns:p14="http://schemas.microsoft.com/office/powerpoint/2010/main" val="3613667968"/>
+        <p14:creationId xmlns:p14="http://schemas.microsoft.com/office/powerpoint/2010/main" val="1560860557"/>
       </p:ext>
     </p:extLst>
   </p:cSld>
@@ -6860,7 +7656,7 @@
           <p:cNvPr id="2" name="Title 1">
             <a:extLst>
               <a:ext uri="{FF2B5EF4-FFF2-40B4-BE49-F238E27FC236}">
-                <a16:creationId xmlns:a16="http://schemas.microsoft.com/office/drawing/2014/main" id="{51DCBE5E-32C3-AB49-B9A8-3579DC6472D1}"/>
+                <a16:creationId xmlns:a16="http://schemas.microsoft.com/office/drawing/2014/main" id="{24E5E2C8-CCD6-3C4A-9049-9C2283AFAC3A}"/>
               </a:ext>
             </a:extLst>
           </p:cNvPr>
@@ -6871,14 +7667,22 @@
             <p:ph type="title"/>
           </p:nvPr>
         </p:nvSpPr>
-        <p:spPr/>
-        <p:txBody>
-          <a:bodyPr/>
-          <a:lstStyle/>
-          <a:p>
-            <a:r>
-              <a:rPr lang="en-US" dirty="0"/>
-              <a:t>Q &amp; A</a:t>
+        <p:spPr>
+          <a:xfrm>
+            <a:off x="685801" y="0"/>
+            <a:ext cx="10396883" cy="2063396"/>
+          </a:xfrm>
+        </p:spPr>
+        <p:txBody>
+          <a:bodyPr>
+            <a:normAutofit/>
+          </a:bodyPr>
+          <a:lstStyle/>
+          <a:p>
+            <a:pPr algn="r"/>
+            <a:r>
+              <a:rPr lang="en-US" sz="4800" dirty="0"/>
+              <a:t>Poisson Approach</a:t>
             </a:r>
           </a:p>
         </p:txBody>
@@ -6888,7 +7692,7 @@
           <p:cNvPr id="3" name="Content Placeholder 2">
             <a:extLst>
               <a:ext uri="{FF2B5EF4-FFF2-40B4-BE49-F238E27FC236}">
-                <a16:creationId xmlns:a16="http://schemas.microsoft.com/office/drawing/2014/main" id="{BF58403A-787F-A64C-B067-C30A4AF4C618}"/>
+                <a16:creationId xmlns:a16="http://schemas.microsoft.com/office/drawing/2014/main" id="{4D7E8E3F-2CC9-E04B-A652-28D99DFBF90B}"/>
               </a:ext>
             </a:extLst>
           </p:cNvPr>
@@ -6899,28 +7703,734 @@
             <p:ph sz="quarter" idx="13"/>
           </p:nvPr>
         </p:nvSpPr>
-        <p:spPr/>
-        <p:txBody>
-          <a:bodyPr/>
+        <p:spPr>
+          <a:xfrm>
+            <a:off x="2899317" y="1438508"/>
+            <a:ext cx="8181192" cy="3936078"/>
+          </a:xfrm>
+        </p:spPr>
+        <p:txBody>
+          <a:bodyPr anchor="t">
+            <a:normAutofit/>
+          </a:bodyPr>
           <a:lstStyle/>
           <a:p>
             <a:r>
               <a:rPr lang="en-US" dirty="0"/>
-              <a:t>Did anyone has any suggestions or questions ?</a:t>
-            </a:r>
-          </a:p>
-          <a:p>
+              <a:t>Poisson distributions represent the probability of a given number of events occurring in a fixed time if these events occur independently of the time since the last event.</a:t>
+            </a:r>
+          </a:p>
+        </p:txBody>
+      </p:sp>
+      <p:pic>
+        <p:nvPicPr>
+          <p:cNvPr id="8" name="Picture 7">
+            <a:extLst>
+              <a:ext uri="{FF2B5EF4-FFF2-40B4-BE49-F238E27FC236}">
+                <a16:creationId xmlns:a16="http://schemas.microsoft.com/office/drawing/2014/main" id="{E0D3801E-B21F-4143-B1F6-FD5B0A3E9E92}"/>
+              </a:ext>
+            </a:extLst>
+          </p:cNvPr>
+          <p:cNvPicPr>
+            <a:picLocks noChangeAspect="1"/>
+          </p:cNvPicPr>
+          <p:nvPr/>
+        </p:nvPicPr>
+        <p:blipFill>
+          <a:blip r:embed="rId2"/>
+          <a:stretch>
+            <a:fillRect/>
+          </a:stretch>
+        </p:blipFill>
+        <p:spPr>
+          <a:xfrm>
+            <a:off x="4081346" y="2913280"/>
+            <a:ext cx="6063166" cy="2301464"/>
+          </a:xfrm>
+          <a:prstGeom prst="rect">
+            <a:avLst/>
+          </a:prstGeom>
+        </p:spPr>
+      </p:pic>
+      <p:sp>
+        <p:nvSpPr>
+          <p:cNvPr id="9" name="TextBox 8">
+            <a:extLst>
+              <a:ext uri="{FF2B5EF4-FFF2-40B4-BE49-F238E27FC236}">
+                <a16:creationId xmlns:a16="http://schemas.microsoft.com/office/drawing/2014/main" id="{E679A59B-B535-BC4E-BBD8-FC2D7AADCAD2}"/>
+              </a:ext>
+            </a:extLst>
+          </p:cNvPr>
+          <p:cNvSpPr txBox="1"/>
+          <p:nvPr/>
+        </p:nvSpPr>
+        <p:spPr>
+          <a:xfrm>
+            <a:off x="4079171" y="2543948"/>
+            <a:ext cx="6065341" cy="369332"/>
+          </a:xfrm>
+          <a:prstGeom prst="rect">
+            <a:avLst/>
+          </a:prstGeom>
+          <a:noFill/>
+        </p:spPr>
+        <p:txBody>
+          <a:bodyPr wrap="square" rtlCol="0">
+            <a:spAutoFit/>
+          </a:bodyPr>
+          <a:lstStyle/>
+          <a:p>
+            <a:pPr algn="ctr"/>
             <a:r>
               <a:rPr lang="en-US" dirty="0"/>
-              <a:t>From this  weekend you can see All or most of these prediction live or on screen !!!!! </a:t>
-            </a:r>
+              <a:t>Team B Goals</a:t>
+            </a:r>
+          </a:p>
+        </p:txBody>
+      </p:sp>
+      <p:sp>
+        <p:nvSpPr>
+          <p:cNvPr id="10" name="TextBox 9">
+            <a:extLst>
+              <a:ext uri="{FF2B5EF4-FFF2-40B4-BE49-F238E27FC236}">
+                <a16:creationId xmlns:a16="http://schemas.microsoft.com/office/drawing/2014/main" id="{6BCD5B51-91CB-664D-A696-E9E9EDC1A640}"/>
+              </a:ext>
+            </a:extLst>
+          </p:cNvPr>
+          <p:cNvSpPr txBox="1"/>
+          <p:nvPr/>
+        </p:nvSpPr>
+        <p:spPr>
+          <a:xfrm rot="16200000">
+            <a:off x="2744861" y="3879346"/>
+            <a:ext cx="2301464" cy="369332"/>
+          </a:xfrm>
+          <a:prstGeom prst="rect">
+            <a:avLst/>
+          </a:prstGeom>
+          <a:noFill/>
+        </p:spPr>
+        <p:txBody>
+          <a:bodyPr wrap="square" rtlCol="0">
+            <a:spAutoFit/>
+          </a:bodyPr>
+          <a:lstStyle/>
+          <a:p>
+            <a:pPr algn="ctr"/>
+            <a:r>
+              <a:rPr lang="en-US" dirty="0"/>
+              <a:t>Team A Goals</a:t>
+            </a:r>
+          </a:p>
+        </p:txBody>
+      </p:sp>
+      <p:sp>
+        <p:nvSpPr>
+          <p:cNvPr id="11" name="Rectangle 10">
+            <a:extLst>
+              <a:ext uri="{FF2B5EF4-FFF2-40B4-BE49-F238E27FC236}">
+                <a16:creationId xmlns:a16="http://schemas.microsoft.com/office/drawing/2014/main" id="{8B0AEE44-E90A-5B4C-84AC-0815E4CB906F}"/>
+              </a:ext>
+            </a:extLst>
+          </p:cNvPr>
+          <p:cNvSpPr/>
+          <p:nvPr/>
+        </p:nvSpPr>
+        <p:spPr>
+          <a:xfrm>
+            <a:off x="4237464" y="3128417"/>
+            <a:ext cx="446049" cy="171422"/>
+          </a:xfrm>
+          <a:prstGeom prst="rect">
+            <a:avLst/>
+          </a:prstGeom>
+        </p:spPr>
+        <p:style>
+          <a:lnRef idx="2">
+            <a:schemeClr val="accent1">
+              <a:shade val="50000"/>
+            </a:schemeClr>
+          </a:lnRef>
+          <a:fillRef idx="1">
+            <a:schemeClr val="accent1"/>
+          </a:fillRef>
+          <a:effectRef idx="0">
+            <a:schemeClr val="accent1"/>
+          </a:effectRef>
+          <a:fontRef idx="minor">
+            <a:schemeClr val="lt1"/>
+          </a:fontRef>
+        </p:style>
+        <p:txBody>
+          <a:bodyPr rtlCol="0" anchor="ctr"/>
+          <a:lstStyle/>
+          <a:p>
+            <a:pPr algn="ctr"/>
+            <a:endParaRPr lang="en-US"/>
+          </a:p>
+        </p:txBody>
+      </p:sp>
+      <p:sp>
+        <p:nvSpPr>
+          <p:cNvPr id="12" name="Rectangle 11">
+            <a:extLst>
+              <a:ext uri="{FF2B5EF4-FFF2-40B4-BE49-F238E27FC236}">
+                <a16:creationId xmlns:a16="http://schemas.microsoft.com/office/drawing/2014/main" id="{2278B468-3D29-334B-85B4-DCC0F0438C5A}"/>
+              </a:ext>
+            </a:extLst>
+          </p:cNvPr>
+          <p:cNvSpPr/>
+          <p:nvPr/>
+        </p:nvSpPr>
+        <p:spPr>
+          <a:xfrm>
+            <a:off x="4769005" y="3348305"/>
+            <a:ext cx="446049" cy="171422"/>
+          </a:xfrm>
+          <a:prstGeom prst="rect">
+            <a:avLst/>
+          </a:prstGeom>
+        </p:spPr>
+        <p:style>
+          <a:lnRef idx="2">
+            <a:schemeClr val="accent1">
+              <a:shade val="50000"/>
+            </a:schemeClr>
+          </a:lnRef>
+          <a:fillRef idx="1">
+            <a:schemeClr val="accent1"/>
+          </a:fillRef>
+          <a:effectRef idx="0">
+            <a:schemeClr val="accent1"/>
+          </a:effectRef>
+          <a:fontRef idx="minor">
+            <a:schemeClr val="lt1"/>
+          </a:fontRef>
+        </p:style>
+        <p:txBody>
+          <a:bodyPr rtlCol="0" anchor="ctr"/>
+          <a:lstStyle/>
+          <a:p>
+            <a:pPr algn="ctr"/>
+            <a:endParaRPr lang="en-US"/>
+          </a:p>
+        </p:txBody>
+      </p:sp>
+      <p:sp>
+        <p:nvSpPr>
+          <p:cNvPr id="13" name="Rectangle 12">
+            <a:extLst>
+              <a:ext uri="{FF2B5EF4-FFF2-40B4-BE49-F238E27FC236}">
+                <a16:creationId xmlns:a16="http://schemas.microsoft.com/office/drawing/2014/main" id="{5B495017-9BA6-7C4E-BD7E-F52C08E9A7EA}"/>
+              </a:ext>
+            </a:extLst>
+          </p:cNvPr>
+          <p:cNvSpPr/>
+          <p:nvPr/>
+        </p:nvSpPr>
+        <p:spPr>
+          <a:xfrm>
+            <a:off x="5245561" y="3556968"/>
+            <a:ext cx="446049" cy="171422"/>
+          </a:xfrm>
+          <a:prstGeom prst="rect">
+            <a:avLst/>
+          </a:prstGeom>
+        </p:spPr>
+        <p:style>
+          <a:lnRef idx="2">
+            <a:schemeClr val="accent1">
+              <a:shade val="50000"/>
+            </a:schemeClr>
+          </a:lnRef>
+          <a:fillRef idx="1">
+            <a:schemeClr val="accent1"/>
+          </a:fillRef>
+          <a:effectRef idx="0">
+            <a:schemeClr val="accent1"/>
+          </a:effectRef>
+          <a:fontRef idx="minor">
+            <a:schemeClr val="lt1"/>
+          </a:fontRef>
+        </p:style>
+        <p:txBody>
+          <a:bodyPr rtlCol="0" anchor="ctr"/>
+          <a:lstStyle/>
+          <a:p>
+            <a:pPr algn="ctr"/>
+            <a:endParaRPr lang="en-US"/>
+          </a:p>
+        </p:txBody>
+      </p:sp>
+      <p:sp>
+        <p:nvSpPr>
+          <p:cNvPr id="14" name="Rectangle 13">
+            <a:extLst>
+              <a:ext uri="{FF2B5EF4-FFF2-40B4-BE49-F238E27FC236}">
+                <a16:creationId xmlns:a16="http://schemas.microsoft.com/office/drawing/2014/main" id="{3208DA8C-20BA-4340-88B5-2D59BB7CB014}"/>
+              </a:ext>
+            </a:extLst>
+          </p:cNvPr>
+          <p:cNvSpPr/>
+          <p:nvPr/>
+        </p:nvSpPr>
+        <p:spPr>
+          <a:xfrm>
+            <a:off x="5777102" y="3776856"/>
+            <a:ext cx="446049" cy="171422"/>
+          </a:xfrm>
+          <a:prstGeom prst="rect">
+            <a:avLst/>
+          </a:prstGeom>
+        </p:spPr>
+        <p:style>
+          <a:lnRef idx="2">
+            <a:schemeClr val="accent1">
+              <a:shade val="50000"/>
+            </a:schemeClr>
+          </a:lnRef>
+          <a:fillRef idx="1">
+            <a:schemeClr val="accent1"/>
+          </a:fillRef>
+          <a:effectRef idx="0">
+            <a:schemeClr val="accent1"/>
+          </a:effectRef>
+          <a:fontRef idx="minor">
+            <a:schemeClr val="lt1"/>
+          </a:fontRef>
+        </p:style>
+        <p:txBody>
+          <a:bodyPr rtlCol="0" anchor="ctr"/>
+          <a:lstStyle/>
+          <a:p>
+            <a:pPr algn="ctr"/>
+            <a:endParaRPr lang="en-US"/>
+          </a:p>
+        </p:txBody>
+      </p:sp>
+      <p:sp>
+        <p:nvSpPr>
+          <p:cNvPr id="15" name="Rectangle 14">
+            <a:extLst>
+              <a:ext uri="{FF2B5EF4-FFF2-40B4-BE49-F238E27FC236}">
+                <a16:creationId xmlns:a16="http://schemas.microsoft.com/office/drawing/2014/main" id="{2C356004-4550-B145-B590-EAAD213ABCA3}"/>
+              </a:ext>
+            </a:extLst>
+          </p:cNvPr>
+          <p:cNvSpPr/>
+          <p:nvPr/>
+        </p:nvSpPr>
+        <p:spPr>
+          <a:xfrm>
+            <a:off x="6240966" y="3994495"/>
+            <a:ext cx="446049" cy="171422"/>
+          </a:xfrm>
+          <a:prstGeom prst="rect">
+            <a:avLst/>
+          </a:prstGeom>
+        </p:spPr>
+        <p:style>
+          <a:lnRef idx="2">
+            <a:schemeClr val="accent1">
+              <a:shade val="50000"/>
+            </a:schemeClr>
+          </a:lnRef>
+          <a:fillRef idx="1">
+            <a:schemeClr val="accent1"/>
+          </a:fillRef>
+          <a:effectRef idx="0">
+            <a:schemeClr val="accent1"/>
+          </a:effectRef>
+          <a:fontRef idx="minor">
+            <a:schemeClr val="lt1"/>
+          </a:fontRef>
+        </p:style>
+        <p:txBody>
+          <a:bodyPr rtlCol="0" anchor="ctr"/>
+          <a:lstStyle/>
+          <a:p>
+            <a:pPr algn="ctr"/>
+            <a:endParaRPr lang="en-US"/>
+          </a:p>
+        </p:txBody>
+      </p:sp>
+      <p:sp>
+        <p:nvSpPr>
+          <p:cNvPr id="16" name="Rectangle 15">
+            <a:extLst>
+              <a:ext uri="{FF2B5EF4-FFF2-40B4-BE49-F238E27FC236}">
+                <a16:creationId xmlns:a16="http://schemas.microsoft.com/office/drawing/2014/main" id="{D301C7DE-589D-5342-ABAD-850F9D9C83FA}"/>
+              </a:ext>
+            </a:extLst>
+          </p:cNvPr>
+          <p:cNvSpPr/>
+          <p:nvPr/>
+        </p:nvSpPr>
+        <p:spPr>
+          <a:xfrm>
+            <a:off x="6772507" y="4214383"/>
+            <a:ext cx="620240" cy="185387"/>
+          </a:xfrm>
+          <a:prstGeom prst="rect">
+            <a:avLst/>
+          </a:prstGeom>
+        </p:spPr>
+        <p:style>
+          <a:lnRef idx="2">
+            <a:schemeClr val="accent1">
+              <a:shade val="50000"/>
+            </a:schemeClr>
+          </a:lnRef>
+          <a:fillRef idx="1">
+            <a:schemeClr val="accent1"/>
+          </a:fillRef>
+          <a:effectRef idx="0">
+            <a:schemeClr val="accent1"/>
+          </a:effectRef>
+          <a:fontRef idx="minor">
+            <a:schemeClr val="lt1"/>
+          </a:fontRef>
+        </p:style>
+        <p:txBody>
+          <a:bodyPr rtlCol="0" anchor="ctr"/>
+          <a:lstStyle/>
+          <a:p>
+            <a:pPr algn="ctr"/>
+            <a:endParaRPr lang="en-US"/>
+          </a:p>
+        </p:txBody>
+      </p:sp>
+      <p:sp>
+        <p:nvSpPr>
+          <p:cNvPr id="19" name="Rectangle 18">
+            <a:extLst>
+              <a:ext uri="{FF2B5EF4-FFF2-40B4-BE49-F238E27FC236}">
+                <a16:creationId xmlns:a16="http://schemas.microsoft.com/office/drawing/2014/main" id="{28346590-6D3B-7B4B-A018-C59E3EB9F39F}"/>
+              </a:ext>
+            </a:extLst>
+          </p:cNvPr>
+          <p:cNvSpPr/>
+          <p:nvPr/>
+        </p:nvSpPr>
+        <p:spPr>
+          <a:xfrm>
+            <a:off x="7414538" y="4421521"/>
+            <a:ext cx="620240" cy="185387"/>
+          </a:xfrm>
+          <a:prstGeom prst="rect">
+            <a:avLst/>
+          </a:prstGeom>
+        </p:spPr>
+        <p:style>
+          <a:lnRef idx="2">
+            <a:schemeClr val="accent1">
+              <a:shade val="50000"/>
+            </a:schemeClr>
+          </a:lnRef>
+          <a:fillRef idx="1">
+            <a:schemeClr val="accent1"/>
+          </a:fillRef>
+          <a:effectRef idx="0">
+            <a:schemeClr val="accent1"/>
+          </a:effectRef>
+          <a:fontRef idx="minor">
+            <a:schemeClr val="lt1"/>
+          </a:fontRef>
+        </p:style>
+        <p:txBody>
+          <a:bodyPr rtlCol="0" anchor="ctr"/>
+          <a:lstStyle/>
+          <a:p>
+            <a:pPr algn="ctr"/>
+            <a:endParaRPr lang="en-US"/>
+          </a:p>
+        </p:txBody>
+      </p:sp>
+      <p:sp>
+        <p:nvSpPr>
+          <p:cNvPr id="20" name="Rectangle 19">
+            <a:extLst>
+              <a:ext uri="{FF2B5EF4-FFF2-40B4-BE49-F238E27FC236}">
+                <a16:creationId xmlns:a16="http://schemas.microsoft.com/office/drawing/2014/main" id="{986CA7A6-FFDA-C649-B592-CC2181B91A9D}"/>
+              </a:ext>
+            </a:extLst>
+          </p:cNvPr>
+          <p:cNvSpPr/>
+          <p:nvPr/>
+        </p:nvSpPr>
+        <p:spPr>
+          <a:xfrm>
+            <a:off x="8085283" y="4606908"/>
+            <a:ext cx="620240" cy="185387"/>
+          </a:xfrm>
+          <a:prstGeom prst="rect">
+            <a:avLst/>
+          </a:prstGeom>
+        </p:spPr>
+        <p:style>
+          <a:lnRef idx="2">
+            <a:schemeClr val="accent1">
+              <a:shade val="50000"/>
+            </a:schemeClr>
+          </a:lnRef>
+          <a:fillRef idx="1">
+            <a:schemeClr val="accent1"/>
+          </a:fillRef>
+          <a:effectRef idx="0">
+            <a:schemeClr val="accent1"/>
+          </a:effectRef>
+          <a:fontRef idx="minor">
+            <a:schemeClr val="lt1"/>
+          </a:fontRef>
+        </p:style>
+        <p:txBody>
+          <a:bodyPr rtlCol="0" anchor="ctr"/>
+          <a:lstStyle/>
+          <a:p>
+            <a:pPr algn="ctr"/>
+            <a:endParaRPr lang="en-US"/>
+          </a:p>
+        </p:txBody>
+      </p:sp>
+      <p:sp>
+        <p:nvSpPr>
+          <p:cNvPr id="21" name="Rectangle 20">
+            <a:extLst>
+              <a:ext uri="{FF2B5EF4-FFF2-40B4-BE49-F238E27FC236}">
+                <a16:creationId xmlns:a16="http://schemas.microsoft.com/office/drawing/2014/main" id="{C5D86423-FCA4-B943-BFB9-9FE36E5095C7}"/>
+              </a:ext>
+            </a:extLst>
+          </p:cNvPr>
+          <p:cNvSpPr/>
+          <p:nvPr/>
+        </p:nvSpPr>
+        <p:spPr>
+          <a:xfrm>
+            <a:off x="8804777" y="4797986"/>
+            <a:ext cx="620240" cy="185387"/>
+          </a:xfrm>
+          <a:prstGeom prst="rect">
+            <a:avLst/>
+          </a:prstGeom>
+        </p:spPr>
+        <p:style>
+          <a:lnRef idx="2">
+            <a:schemeClr val="accent1">
+              <a:shade val="50000"/>
+            </a:schemeClr>
+          </a:lnRef>
+          <a:fillRef idx="1">
+            <a:schemeClr val="accent1"/>
+          </a:fillRef>
+          <a:effectRef idx="0">
+            <a:schemeClr val="accent1"/>
+          </a:effectRef>
+          <a:fontRef idx="minor">
+            <a:schemeClr val="lt1"/>
+          </a:fontRef>
+        </p:style>
+        <p:txBody>
+          <a:bodyPr rtlCol="0" anchor="ctr"/>
+          <a:lstStyle/>
+          <a:p>
+            <a:pPr algn="ctr"/>
+            <a:endParaRPr lang="en-US"/>
+          </a:p>
+        </p:txBody>
+      </p:sp>
+      <p:sp>
+        <p:nvSpPr>
+          <p:cNvPr id="22" name="Rectangle 21">
+            <a:extLst>
+              <a:ext uri="{FF2B5EF4-FFF2-40B4-BE49-F238E27FC236}">
+                <a16:creationId xmlns:a16="http://schemas.microsoft.com/office/drawing/2014/main" id="{2F64FF57-A91D-1040-9BD4-9FA206852E0D}"/>
+              </a:ext>
+            </a:extLst>
+          </p:cNvPr>
+          <p:cNvSpPr/>
+          <p:nvPr/>
+        </p:nvSpPr>
+        <p:spPr>
+          <a:xfrm>
+            <a:off x="9524272" y="5067748"/>
+            <a:ext cx="620240" cy="185387"/>
+          </a:xfrm>
+          <a:prstGeom prst="rect">
+            <a:avLst/>
+          </a:prstGeom>
+        </p:spPr>
+        <p:style>
+          <a:lnRef idx="2">
+            <a:schemeClr val="accent1">
+              <a:shade val="50000"/>
+            </a:schemeClr>
+          </a:lnRef>
+          <a:fillRef idx="1">
+            <a:schemeClr val="accent1"/>
+          </a:fillRef>
+          <a:effectRef idx="0">
+            <a:schemeClr val="accent1"/>
+          </a:effectRef>
+          <a:fontRef idx="minor">
+            <a:schemeClr val="lt1"/>
+          </a:fontRef>
+        </p:style>
+        <p:txBody>
+          <a:bodyPr rtlCol="0" anchor="ctr"/>
+          <a:lstStyle/>
+          <a:p>
+            <a:pPr algn="ctr"/>
+            <a:endParaRPr lang="en-US"/>
           </a:p>
         </p:txBody>
       </p:sp>
     </p:spTree>
     <p:extLst>
       <p:ext uri="{BB962C8B-B14F-4D97-AF65-F5344CB8AC3E}">
-        <p14:creationId xmlns:p14="http://schemas.microsoft.com/office/powerpoint/2010/main" val="2618822923"/>
+        <p14:creationId xmlns:p14="http://schemas.microsoft.com/office/powerpoint/2010/main" val="325532739"/>
+      </p:ext>
+    </p:extLst>
+  </p:cSld>
+  <p:clrMapOvr>
+    <a:masterClrMapping/>
+  </p:clrMapOvr>
+</p:sld>
+</file>
+
+<file path=ppt/slides/slide9.xml><?xml version="1.0" encoding="utf-8"?>
+<p:sld xmlns:a="http://schemas.openxmlformats.org/drawingml/2006/main" xmlns:r="http://schemas.openxmlformats.org/officeDocument/2006/relationships" xmlns:p="http://schemas.openxmlformats.org/presentationml/2006/main">
+  <p:cSld>
+    <p:spTree>
+      <p:nvGrpSpPr>
+        <p:cNvPr id="1" name=""/>
+        <p:cNvGrpSpPr/>
+        <p:nvPr/>
+      </p:nvGrpSpPr>
+      <p:grpSpPr>
+        <a:xfrm>
+          <a:off x="0" y="0"/>
+          <a:ext cx="0" cy="0"/>
+          <a:chOff x="0" y="0"/>
+          <a:chExt cx="0" cy="0"/>
+        </a:xfrm>
+      </p:grpSpPr>
+      <p:sp>
+        <p:nvSpPr>
+          <p:cNvPr id="2" name="Title 1">
+            <a:extLst>
+              <a:ext uri="{FF2B5EF4-FFF2-40B4-BE49-F238E27FC236}">
+                <a16:creationId xmlns:a16="http://schemas.microsoft.com/office/drawing/2014/main" id="{24E5E2C8-CCD6-3C4A-9049-9C2283AFAC3A}"/>
+              </a:ext>
+            </a:extLst>
+          </p:cNvPr>
+          <p:cNvSpPr>
+            <a:spLocks noGrp="1"/>
+          </p:cNvSpPr>
+          <p:nvPr>
+            <p:ph type="title"/>
+          </p:nvPr>
+        </p:nvSpPr>
+        <p:spPr>
+          <a:xfrm>
+            <a:off x="685801" y="0"/>
+            <a:ext cx="10396883" cy="2063396"/>
+          </a:xfrm>
+        </p:spPr>
+        <p:txBody>
+          <a:bodyPr>
+            <a:normAutofit/>
+          </a:bodyPr>
+          <a:lstStyle/>
+          <a:p>
+            <a:pPr algn="r"/>
+            <a:r>
+              <a:rPr lang="en-US" sz="4800" dirty="0"/>
+              <a:t>Spain vs Iran</a:t>
+            </a:r>
+          </a:p>
+        </p:txBody>
+      </p:sp>
+      <p:sp>
+        <p:nvSpPr>
+          <p:cNvPr id="3" name="Content Placeholder 2">
+            <a:extLst>
+              <a:ext uri="{FF2B5EF4-FFF2-40B4-BE49-F238E27FC236}">
+                <a16:creationId xmlns:a16="http://schemas.microsoft.com/office/drawing/2014/main" id="{4D7E8E3F-2CC9-E04B-A652-28D99DFBF90B}"/>
+              </a:ext>
+            </a:extLst>
+          </p:cNvPr>
+          <p:cNvSpPr>
+            <a:spLocks noGrp="1"/>
+          </p:cNvSpPr>
+          <p:nvPr>
+            <p:ph sz="quarter" idx="13"/>
+          </p:nvPr>
+        </p:nvSpPr>
+        <p:spPr>
+          <a:xfrm>
+            <a:off x="6222379" y="1438508"/>
+            <a:ext cx="4858129" cy="3936078"/>
+          </a:xfrm>
+        </p:spPr>
+        <p:txBody>
+          <a:bodyPr anchor="t">
+            <a:normAutofit/>
+          </a:bodyPr>
+          <a:lstStyle/>
+          <a:p>
+            <a:r>
+              <a:rPr lang="en-US" dirty="0"/>
+              <a:t>Spain chance of Win: 88.98% </a:t>
+            </a:r>
+          </a:p>
+          <a:p>
+            <a:r>
+              <a:rPr lang="en-US" dirty="0"/>
+              <a:t>Iran chance of Win: 2.96% </a:t>
+            </a:r>
+          </a:p>
+          <a:p>
+            <a:r>
+              <a:rPr lang="en-US" dirty="0"/>
+              <a:t>Odds of a draw: 7.85%</a:t>
+            </a:r>
+          </a:p>
+        </p:txBody>
+      </p:sp>
+      <p:pic>
+        <p:nvPicPr>
+          <p:cNvPr id="5" name="Picture 4">
+            <a:extLst>
+              <a:ext uri="{FF2B5EF4-FFF2-40B4-BE49-F238E27FC236}">
+                <a16:creationId xmlns:a16="http://schemas.microsoft.com/office/drawing/2014/main" id="{FF19C551-C332-A846-B95E-B1E7307F4A1E}"/>
+              </a:ext>
+            </a:extLst>
+          </p:cNvPr>
+          <p:cNvPicPr>
+            <a:picLocks noChangeAspect="1"/>
+          </p:cNvPicPr>
+          <p:nvPr/>
+        </p:nvPicPr>
+        <p:blipFill>
+          <a:blip r:embed="rId2"/>
+          <a:stretch>
+            <a:fillRect/>
+          </a:stretch>
+        </p:blipFill>
+        <p:spPr>
+          <a:xfrm>
+            <a:off x="215353" y="1438508"/>
+            <a:ext cx="5892800" cy="3492500"/>
+          </a:xfrm>
+          <a:prstGeom prst="rect">
+            <a:avLst/>
+          </a:prstGeom>
+        </p:spPr>
+      </p:pic>
+    </p:spTree>
+    <p:extLst>
+      <p:ext uri="{BB962C8B-B14F-4D97-AF65-F5344CB8AC3E}">
+        <p14:creationId xmlns:p14="http://schemas.microsoft.com/office/powerpoint/2010/main" val="1945089294"/>
       </p:ext>
     </p:extLst>
   </p:cSld>

--- a/FIFA_2018.pptx
+++ b/FIFA_2018.pptx
@@ -7161,7 +7161,7 @@
         </p:blipFill>
         <p:spPr>
           <a:xfrm>
-            <a:off x="5595196" y="1716985"/>
+            <a:off x="683625" y="1716985"/>
             <a:ext cx="5486400" cy="3657600"/>
           </a:xfrm>
           <a:prstGeom prst="rect">
@@ -7171,26 +7171,306 @@
       </p:pic>
       <p:sp>
         <p:nvSpPr>
-          <p:cNvPr id="11" name="Content Placeholder 10">
+          <p:cNvPr id="5" name="Content Placeholder 2">
             <a:extLst>
               <a:ext uri="{FF2B5EF4-FFF2-40B4-BE49-F238E27FC236}">
-                <a16:creationId xmlns:a16="http://schemas.microsoft.com/office/drawing/2014/main" id="{729A5EBF-030F-144E-AD3C-726C6EB98FE7}"/>
+                <a16:creationId xmlns:a16="http://schemas.microsoft.com/office/drawing/2014/main" id="{191DB7FE-D47F-EA4E-ABF6-04D4AD5D0A3D}"/>
               </a:ext>
             </a:extLst>
           </p:cNvPr>
-          <p:cNvSpPr>
-            <a:spLocks noGrp="1"/>
-          </p:cNvSpPr>
-          <p:nvPr>
-            <p:ph sz="quarter" idx="13"/>
-          </p:nvPr>
-        </p:nvSpPr>
-        <p:spPr/>
-        <p:txBody>
-          <a:bodyPr/>
-          <a:lstStyle/>
-          <a:p>
-            <a:endParaRPr lang="en-US"/>
+          <p:cNvSpPr txBox="1">
+            <a:spLocks/>
+          </p:cNvSpPr>
+          <p:nvPr/>
+        </p:nvSpPr>
+        <p:spPr>
+          <a:xfrm>
+            <a:off x="6289287" y="1438508"/>
+            <a:ext cx="4791221" cy="3936078"/>
+          </a:xfrm>
+          <a:prstGeom prst="rect">
+            <a:avLst/>
+          </a:prstGeom>
+        </p:spPr>
+        <p:txBody>
+          <a:bodyPr vert="horz" lIns="91440" tIns="45720" rIns="91440" bIns="45720" rtlCol="0" anchor="t">
+            <a:normAutofit/>
+          </a:bodyPr>
+          <a:lstStyle>
+            <a:lvl1pPr marL="228594" indent="-228594" algn="l" defTabSz="914377" rtl="0" eaLnBrk="1" latinLnBrk="0" hangingPunct="1">
+              <a:lnSpc>
+                <a:spcPct val="120000"/>
+              </a:lnSpc>
+              <a:spcBef>
+                <a:spcPts val="1000"/>
+              </a:spcBef>
+              <a:buClr>
+                <a:schemeClr val="accent1"/>
+              </a:buClr>
+              <a:buSzPct val="160000"/>
+              <a:buFont typeface="Arial" panose="020B0604020202020204" pitchFamily="34" charset="0"/>
+              <a:buChar char="•"/>
+              <a:defRPr sz="2000" kern="1200" cap="all" baseline="0">
+                <a:solidFill>
+                  <a:schemeClr val="tx1"/>
+                </a:solidFill>
+                <a:effectLst/>
+                <a:latin typeface="+mn-lt"/>
+                <a:ea typeface="+mn-ea"/>
+                <a:cs typeface="+mn-cs"/>
+              </a:defRPr>
+            </a:lvl1pPr>
+            <a:lvl2pPr marL="685783" indent="-228594" algn="l" defTabSz="914377" rtl="0" eaLnBrk="1" latinLnBrk="0" hangingPunct="1">
+              <a:lnSpc>
+                <a:spcPct val="120000"/>
+              </a:lnSpc>
+              <a:spcBef>
+                <a:spcPts val="500"/>
+              </a:spcBef>
+              <a:buClr>
+                <a:schemeClr val="accent1"/>
+              </a:buClr>
+              <a:buSzPct val="160000"/>
+              <a:buFont typeface="Arial" panose="020B0604020202020204" pitchFamily="34" charset="0"/>
+              <a:buChar char="•"/>
+              <a:defRPr sz="1800" kern="1200" cap="all" baseline="0">
+                <a:solidFill>
+                  <a:schemeClr val="tx1"/>
+                </a:solidFill>
+                <a:effectLst/>
+                <a:latin typeface="+mn-lt"/>
+                <a:ea typeface="+mn-ea"/>
+                <a:cs typeface="+mn-cs"/>
+              </a:defRPr>
+            </a:lvl2pPr>
+            <a:lvl3pPr marL="1142971" indent="-228594" algn="l" defTabSz="914377" rtl="0" eaLnBrk="1" latinLnBrk="0" hangingPunct="1">
+              <a:lnSpc>
+                <a:spcPct val="120000"/>
+              </a:lnSpc>
+              <a:spcBef>
+                <a:spcPts val="500"/>
+              </a:spcBef>
+              <a:buClr>
+                <a:schemeClr val="accent1"/>
+              </a:buClr>
+              <a:buSzPct val="160000"/>
+              <a:buFont typeface="Arial" panose="020B0604020202020204" pitchFamily="34" charset="0"/>
+              <a:buChar char="•"/>
+              <a:defRPr sz="1600" kern="1200" cap="all" baseline="0">
+                <a:solidFill>
+                  <a:schemeClr val="tx1"/>
+                </a:solidFill>
+                <a:effectLst/>
+                <a:latin typeface="+mn-lt"/>
+                <a:ea typeface="+mn-ea"/>
+                <a:cs typeface="+mn-cs"/>
+              </a:defRPr>
+            </a:lvl3pPr>
+            <a:lvl4pPr marL="1600160" indent="-228594" algn="l" defTabSz="914377" rtl="0" eaLnBrk="1" latinLnBrk="0" hangingPunct="1">
+              <a:lnSpc>
+                <a:spcPct val="120000"/>
+              </a:lnSpc>
+              <a:spcBef>
+                <a:spcPts val="500"/>
+              </a:spcBef>
+              <a:buClr>
+                <a:schemeClr val="accent1"/>
+              </a:buClr>
+              <a:buSzPct val="160000"/>
+              <a:buFont typeface="Arial" panose="020B0604020202020204" pitchFamily="34" charset="0"/>
+              <a:buChar char="•"/>
+              <a:defRPr sz="1400" kern="1200" cap="all" baseline="0">
+                <a:solidFill>
+                  <a:schemeClr val="tx1"/>
+                </a:solidFill>
+                <a:effectLst/>
+                <a:latin typeface="+mn-lt"/>
+                <a:ea typeface="+mn-ea"/>
+                <a:cs typeface="+mn-cs"/>
+              </a:defRPr>
+            </a:lvl4pPr>
+            <a:lvl5pPr marL="2057349" indent="-228594" algn="l" defTabSz="914377" rtl="0" eaLnBrk="1" latinLnBrk="0" hangingPunct="1">
+              <a:lnSpc>
+                <a:spcPct val="120000"/>
+              </a:lnSpc>
+              <a:spcBef>
+                <a:spcPts val="500"/>
+              </a:spcBef>
+              <a:buClr>
+                <a:schemeClr val="accent1"/>
+              </a:buClr>
+              <a:buSzPct val="160000"/>
+              <a:buFont typeface="Arial" panose="020B0604020202020204" pitchFamily="34" charset="0"/>
+              <a:buChar char="•"/>
+              <a:defRPr sz="1400" kern="1200" cap="all" baseline="0">
+                <a:solidFill>
+                  <a:schemeClr val="tx1"/>
+                </a:solidFill>
+                <a:effectLst/>
+                <a:latin typeface="+mn-lt"/>
+                <a:ea typeface="+mn-ea"/>
+                <a:cs typeface="+mn-cs"/>
+              </a:defRPr>
+            </a:lvl5pPr>
+            <a:lvl6pPr marL="2514537" indent="-228594" algn="l" defTabSz="914377" rtl="0" eaLnBrk="1" latinLnBrk="0" hangingPunct="1">
+              <a:lnSpc>
+                <a:spcPct val="120000"/>
+              </a:lnSpc>
+              <a:spcBef>
+                <a:spcPts val="500"/>
+              </a:spcBef>
+              <a:buClr>
+                <a:schemeClr val="accent1"/>
+              </a:buClr>
+              <a:buSzPct val="160000"/>
+              <a:buFont typeface="Arial" panose="020B0604020202020204" pitchFamily="34" charset="0"/>
+              <a:buChar char="•"/>
+              <a:defRPr sz="1400" kern="1200" cap="all" baseline="0">
+                <a:solidFill>
+                  <a:schemeClr val="tx1"/>
+                </a:solidFill>
+                <a:effectLst/>
+                <a:latin typeface="+mn-lt"/>
+                <a:ea typeface="+mn-ea"/>
+                <a:cs typeface="+mn-cs"/>
+              </a:defRPr>
+            </a:lvl6pPr>
+            <a:lvl7pPr marL="2971726" indent="-228594" algn="l" defTabSz="914377" rtl="0" eaLnBrk="1" latinLnBrk="0" hangingPunct="1">
+              <a:lnSpc>
+                <a:spcPct val="120000"/>
+              </a:lnSpc>
+              <a:spcBef>
+                <a:spcPts val="500"/>
+              </a:spcBef>
+              <a:buClr>
+                <a:schemeClr val="accent1"/>
+              </a:buClr>
+              <a:buSzPct val="160000"/>
+              <a:buFont typeface="Arial" panose="020B0604020202020204" pitchFamily="34" charset="0"/>
+              <a:buChar char="•"/>
+              <a:defRPr sz="1400" kern="1200" cap="all" baseline="0">
+                <a:solidFill>
+                  <a:schemeClr val="tx1"/>
+                </a:solidFill>
+                <a:effectLst/>
+                <a:latin typeface="+mn-lt"/>
+                <a:ea typeface="+mn-ea"/>
+                <a:cs typeface="+mn-cs"/>
+              </a:defRPr>
+            </a:lvl7pPr>
+            <a:lvl8pPr marL="3428914" indent="-228594" algn="l" defTabSz="914377" rtl="0" eaLnBrk="1" latinLnBrk="0" hangingPunct="1">
+              <a:lnSpc>
+                <a:spcPct val="120000"/>
+              </a:lnSpc>
+              <a:spcBef>
+                <a:spcPts val="500"/>
+              </a:spcBef>
+              <a:buClr>
+                <a:schemeClr val="accent1"/>
+              </a:buClr>
+              <a:buSzPct val="160000"/>
+              <a:buFont typeface="Arial" panose="020B0604020202020204" pitchFamily="34" charset="0"/>
+              <a:buChar char="•"/>
+              <a:defRPr sz="1400" kern="1200" cap="all" baseline="0">
+                <a:solidFill>
+                  <a:schemeClr val="tx1"/>
+                </a:solidFill>
+                <a:effectLst/>
+                <a:latin typeface="+mn-lt"/>
+                <a:ea typeface="+mn-ea"/>
+                <a:cs typeface="+mn-cs"/>
+              </a:defRPr>
+            </a:lvl8pPr>
+            <a:lvl9pPr marL="3886103" indent="-228594" algn="l" defTabSz="914377" rtl="0" eaLnBrk="1" latinLnBrk="0" hangingPunct="1">
+              <a:lnSpc>
+                <a:spcPct val="120000"/>
+              </a:lnSpc>
+              <a:spcBef>
+                <a:spcPts val="500"/>
+              </a:spcBef>
+              <a:buClr>
+                <a:schemeClr val="accent1"/>
+              </a:buClr>
+              <a:buSzPct val="160000"/>
+              <a:buFont typeface="Arial" panose="020B0604020202020204" pitchFamily="34" charset="0"/>
+              <a:buChar char="•"/>
+              <a:defRPr sz="1400" kern="1200" cap="all" baseline="0">
+                <a:solidFill>
+                  <a:schemeClr val="tx1"/>
+                </a:solidFill>
+                <a:effectLst/>
+                <a:latin typeface="+mn-lt"/>
+                <a:ea typeface="+mn-ea"/>
+                <a:cs typeface="+mn-cs"/>
+              </a:defRPr>
+            </a:lvl9pPr>
+          </a:lstStyle>
+          <a:p>
+            <a:r>
+              <a:rPr lang="en-US" dirty="0"/>
+              <a:t>18,000 Players</a:t>
+            </a:r>
+          </a:p>
+          <a:p>
+            <a:r>
+              <a:rPr lang="en-US" dirty="0"/>
+              <a:t>Over 70 </a:t>
+            </a:r>
+            <a:r>
+              <a:rPr lang="en-US" dirty="0" err="1"/>
+              <a:t>datapoints</a:t>
+            </a:r>
+            <a:r>
+              <a:rPr lang="en-US" dirty="0"/>
+              <a:t> per player</a:t>
+            </a:r>
+          </a:p>
+          <a:p>
+            <a:pPr lvl="1"/>
+            <a:r>
+              <a:rPr lang="en-US" dirty="0"/>
+              <a:t>Name, club and Nationality</a:t>
+            </a:r>
+          </a:p>
+          <a:p>
+            <a:pPr lvl="1"/>
+            <a:r>
+              <a:rPr lang="en-US" dirty="0"/>
+              <a:t>Overall player rating</a:t>
+            </a:r>
+          </a:p>
+          <a:p>
+            <a:pPr lvl="1"/>
+            <a:r>
+              <a:rPr lang="en-US" dirty="0"/>
+              <a:t>Position</a:t>
+            </a:r>
+          </a:p>
+          <a:p>
+            <a:pPr lvl="1"/>
+            <a:r>
+              <a:rPr lang="en-US" dirty="0"/>
+              <a:t>Penalty Shooting</a:t>
+            </a:r>
+          </a:p>
+          <a:p>
+            <a:pPr lvl="1"/>
+            <a:r>
+              <a:rPr lang="en-US" dirty="0"/>
+              <a:t>(dribbling, shooting, passing, </a:t>
+            </a:r>
+            <a:r>
+              <a:rPr lang="en-US" dirty="0" err="1"/>
+              <a:t>etc</a:t>
+            </a:r>
+            <a:r>
+              <a:rPr lang="en-US" dirty="0"/>
+              <a:t>)</a:t>
+            </a:r>
+          </a:p>
+          <a:p>
+            <a:pPr lvl="2" fontAlgn="base"/>
+            <a:endParaRPr lang="en-US" sz="2000" dirty="0"/>
           </a:p>
         </p:txBody>
       </p:sp>
@@ -7284,11 +7564,283 @@
         </p:blipFill>
         <p:spPr>
           <a:xfrm>
-            <a:off x="6115397" y="1985758"/>
+            <a:off x="685801" y="2063396"/>
             <a:ext cx="4967287" cy="3311525"/>
           </a:xfrm>
         </p:spPr>
       </p:pic>
+      <p:sp>
+        <p:nvSpPr>
+          <p:cNvPr id="4" name="Content Placeholder 2">
+            <a:extLst>
+              <a:ext uri="{FF2B5EF4-FFF2-40B4-BE49-F238E27FC236}">
+                <a16:creationId xmlns:a16="http://schemas.microsoft.com/office/drawing/2014/main" id="{3388BAAE-DB8A-134A-8C14-1C21E890B467}"/>
+              </a:ext>
+            </a:extLst>
+          </p:cNvPr>
+          <p:cNvSpPr txBox="1">
+            <a:spLocks/>
+          </p:cNvSpPr>
+          <p:nvPr/>
+        </p:nvSpPr>
+        <p:spPr>
+          <a:xfrm>
+            <a:off x="6289287" y="1438508"/>
+            <a:ext cx="4791221" cy="3936078"/>
+          </a:xfrm>
+          <a:prstGeom prst="rect">
+            <a:avLst/>
+          </a:prstGeom>
+        </p:spPr>
+        <p:txBody>
+          <a:bodyPr vert="horz" lIns="91440" tIns="45720" rIns="91440" bIns="45720" rtlCol="0" anchor="t">
+            <a:normAutofit/>
+          </a:bodyPr>
+          <a:lstStyle>
+            <a:lvl1pPr marL="228594" indent="-228594" algn="l" defTabSz="914377" rtl="0" eaLnBrk="1" latinLnBrk="0" hangingPunct="1">
+              <a:lnSpc>
+                <a:spcPct val="120000"/>
+              </a:lnSpc>
+              <a:spcBef>
+                <a:spcPts val="1000"/>
+              </a:spcBef>
+              <a:buClr>
+                <a:schemeClr val="accent1"/>
+              </a:buClr>
+              <a:buSzPct val="160000"/>
+              <a:buFont typeface="Arial" panose="020B0604020202020204" pitchFamily="34" charset="0"/>
+              <a:buChar char="•"/>
+              <a:defRPr sz="2000" kern="1200" cap="all" baseline="0">
+                <a:solidFill>
+                  <a:schemeClr val="tx1"/>
+                </a:solidFill>
+                <a:effectLst/>
+                <a:latin typeface="+mn-lt"/>
+                <a:ea typeface="+mn-ea"/>
+                <a:cs typeface="+mn-cs"/>
+              </a:defRPr>
+            </a:lvl1pPr>
+            <a:lvl2pPr marL="685783" indent="-228594" algn="l" defTabSz="914377" rtl="0" eaLnBrk="1" latinLnBrk="0" hangingPunct="1">
+              <a:lnSpc>
+                <a:spcPct val="120000"/>
+              </a:lnSpc>
+              <a:spcBef>
+                <a:spcPts val="500"/>
+              </a:spcBef>
+              <a:buClr>
+                <a:schemeClr val="accent1"/>
+              </a:buClr>
+              <a:buSzPct val="160000"/>
+              <a:buFont typeface="Arial" panose="020B0604020202020204" pitchFamily="34" charset="0"/>
+              <a:buChar char="•"/>
+              <a:defRPr sz="1800" kern="1200" cap="all" baseline="0">
+                <a:solidFill>
+                  <a:schemeClr val="tx1"/>
+                </a:solidFill>
+                <a:effectLst/>
+                <a:latin typeface="+mn-lt"/>
+                <a:ea typeface="+mn-ea"/>
+                <a:cs typeface="+mn-cs"/>
+              </a:defRPr>
+            </a:lvl2pPr>
+            <a:lvl3pPr marL="1142971" indent="-228594" algn="l" defTabSz="914377" rtl="0" eaLnBrk="1" latinLnBrk="0" hangingPunct="1">
+              <a:lnSpc>
+                <a:spcPct val="120000"/>
+              </a:lnSpc>
+              <a:spcBef>
+                <a:spcPts val="500"/>
+              </a:spcBef>
+              <a:buClr>
+                <a:schemeClr val="accent1"/>
+              </a:buClr>
+              <a:buSzPct val="160000"/>
+              <a:buFont typeface="Arial" panose="020B0604020202020204" pitchFamily="34" charset="0"/>
+              <a:buChar char="•"/>
+              <a:defRPr sz="1600" kern="1200" cap="all" baseline="0">
+                <a:solidFill>
+                  <a:schemeClr val="tx1"/>
+                </a:solidFill>
+                <a:effectLst/>
+                <a:latin typeface="+mn-lt"/>
+                <a:ea typeface="+mn-ea"/>
+                <a:cs typeface="+mn-cs"/>
+              </a:defRPr>
+            </a:lvl3pPr>
+            <a:lvl4pPr marL="1600160" indent="-228594" algn="l" defTabSz="914377" rtl="0" eaLnBrk="1" latinLnBrk="0" hangingPunct="1">
+              <a:lnSpc>
+                <a:spcPct val="120000"/>
+              </a:lnSpc>
+              <a:spcBef>
+                <a:spcPts val="500"/>
+              </a:spcBef>
+              <a:buClr>
+                <a:schemeClr val="accent1"/>
+              </a:buClr>
+              <a:buSzPct val="160000"/>
+              <a:buFont typeface="Arial" panose="020B0604020202020204" pitchFamily="34" charset="0"/>
+              <a:buChar char="•"/>
+              <a:defRPr sz="1400" kern="1200" cap="all" baseline="0">
+                <a:solidFill>
+                  <a:schemeClr val="tx1"/>
+                </a:solidFill>
+                <a:effectLst/>
+                <a:latin typeface="+mn-lt"/>
+                <a:ea typeface="+mn-ea"/>
+                <a:cs typeface="+mn-cs"/>
+              </a:defRPr>
+            </a:lvl4pPr>
+            <a:lvl5pPr marL="2057349" indent="-228594" algn="l" defTabSz="914377" rtl="0" eaLnBrk="1" latinLnBrk="0" hangingPunct="1">
+              <a:lnSpc>
+                <a:spcPct val="120000"/>
+              </a:lnSpc>
+              <a:spcBef>
+                <a:spcPts val="500"/>
+              </a:spcBef>
+              <a:buClr>
+                <a:schemeClr val="accent1"/>
+              </a:buClr>
+              <a:buSzPct val="160000"/>
+              <a:buFont typeface="Arial" panose="020B0604020202020204" pitchFamily="34" charset="0"/>
+              <a:buChar char="•"/>
+              <a:defRPr sz="1400" kern="1200" cap="all" baseline="0">
+                <a:solidFill>
+                  <a:schemeClr val="tx1"/>
+                </a:solidFill>
+                <a:effectLst/>
+                <a:latin typeface="+mn-lt"/>
+                <a:ea typeface="+mn-ea"/>
+                <a:cs typeface="+mn-cs"/>
+              </a:defRPr>
+            </a:lvl5pPr>
+            <a:lvl6pPr marL="2514537" indent="-228594" algn="l" defTabSz="914377" rtl="0" eaLnBrk="1" latinLnBrk="0" hangingPunct="1">
+              <a:lnSpc>
+                <a:spcPct val="120000"/>
+              </a:lnSpc>
+              <a:spcBef>
+                <a:spcPts val="500"/>
+              </a:spcBef>
+              <a:buClr>
+                <a:schemeClr val="accent1"/>
+              </a:buClr>
+              <a:buSzPct val="160000"/>
+              <a:buFont typeface="Arial" panose="020B0604020202020204" pitchFamily="34" charset="0"/>
+              <a:buChar char="•"/>
+              <a:defRPr sz="1400" kern="1200" cap="all" baseline="0">
+                <a:solidFill>
+                  <a:schemeClr val="tx1"/>
+                </a:solidFill>
+                <a:effectLst/>
+                <a:latin typeface="+mn-lt"/>
+                <a:ea typeface="+mn-ea"/>
+                <a:cs typeface="+mn-cs"/>
+              </a:defRPr>
+            </a:lvl6pPr>
+            <a:lvl7pPr marL="2971726" indent="-228594" algn="l" defTabSz="914377" rtl="0" eaLnBrk="1" latinLnBrk="0" hangingPunct="1">
+              <a:lnSpc>
+                <a:spcPct val="120000"/>
+              </a:lnSpc>
+              <a:spcBef>
+                <a:spcPts val="500"/>
+              </a:spcBef>
+              <a:buClr>
+                <a:schemeClr val="accent1"/>
+              </a:buClr>
+              <a:buSzPct val="160000"/>
+              <a:buFont typeface="Arial" panose="020B0604020202020204" pitchFamily="34" charset="0"/>
+              <a:buChar char="•"/>
+              <a:defRPr sz="1400" kern="1200" cap="all" baseline="0">
+                <a:solidFill>
+                  <a:schemeClr val="tx1"/>
+                </a:solidFill>
+                <a:effectLst/>
+                <a:latin typeface="+mn-lt"/>
+                <a:ea typeface="+mn-ea"/>
+                <a:cs typeface="+mn-cs"/>
+              </a:defRPr>
+            </a:lvl7pPr>
+            <a:lvl8pPr marL="3428914" indent="-228594" algn="l" defTabSz="914377" rtl="0" eaLnBrk="1" latinLnBrk="0" hangingPunct="1">
+              <a:lnSpc>
+                <a:spcPct val="120000"/>
+              </a:lnSpc>
+              <a:spcBef>
+                <a:spcPts val="500"/>
+              </a:spcBef>
+              <a:buClr>
+                <a:schemeClr val="accent1"/>
+              </a:buClr>
+              <a:buSzPct val="160000"/>
+              <a:buFont typeface="Arial" panose="020B0604020202020204" pitchFamily="34" charset="0"/>
+              <a:buChar char="•"/>
+              <a:defRPr sz="1400" kern="1200" cap="all" baseline="0">
+                <a:solidFill>
+                  <a:schemeClr val="tx1"/>
+                </a:solidFill>
+                <a:effectLst/>
+                <a:latin typeface="+mn-lt"/>
+                <a:ea typeface="+mn-ea"/>
+                <a:cs typeface="+mn-cs"/>
+              </a:defRPr>
+            </a:lvl8pPr>
+            <a:lvl9pPr marL="3886103" indent="-228594" algn="l" defTabSz="914377" rtl="0" eaLnBrk="1" latinLnBrk="0" hangingPunct="1">
+              <a:lnSpc>
+                <a:spcPct val="120000"/>
+              </a:lnSpc>
+              <a:spcBef>
+                <a:spcPts val="500"/>
+              </a:spcBef>
+              <a:buClr>
+                <a:schemeClr val="accent1"/>
+              </a:buClr>
+              <a:buSzPct val="160000"/>
+              <a:buFont typeface="Arial" panose="020B0604020202020204" pitchFamily="34" charset="0"/>
+              <a:buChar char="•"/>
+              <a:defRPr sz="1400" kern="1200" cap="all" baseline="0">
+                <a:solidFill>
+                  <a:schemeClr val="tx1"/>
+                </a:solidFill>
+                <a:effectLst/>
+                <a:latin typeface="+mn-lt"/>
+                <a:ea typeface="+mn-ea"/>
+                <a:cs typeface="+mn-cs"/>
+              </a:defRPr>
+            </a:lvl9pPr>
+          </a:lstStyle>
+          <a:p>
+            <a:r>
+              <a:rPr lang="en-US" dirty="0"/>
+              <a:t>4 European Leagues</a:t>
+            </a:r>
+          </a:p>
+          <a:p>
+            <a:r>
+              <a:rPr lang="en-US" dirty="0"/>
+              <a:t>Roughly 1500 Matches</a:t>
+            </a:r>
+          </a:p>
+          <a:p>
+            <a:r>
+              <a:rPr lang="en-US" dirty="0"/>
+              <a:t>Data includes teams, goals, possession, shots, fouls etc.</a:t>
+            </a:r>
+          </a:p>
+          <a:p>
+            <a:endParaRPr lang="en-US" dirty="0"/>
+          </a:p>
+          <a:p>
+            <a:r>
+              <a:rPr lang="en-US" dirty="0"/>
+              <a:t>World Cup schedule</a:t>
+            </a:r>
+          </a:p>
+          <a:p>
+            <a:endParaRPr lang="en-US" dirty="0"/>
+          </a:p>
+          <a:p>
+            <a:pPr lvl="2" fontAlgn="base"/>
+            <a:endParaRPr lang="en-US" sz="2000" dirty="0"/>
+          </a:p>
+        </p:txBody>
+      </p:sp>
     </p:spTree>
     <p:extLst>
       <p:ext uri="{BB962C8B-B14F-4D97-AF65-F5344CB8AC3E}">
@@ -8281,6 +8833,122 @@
           <a:p>
             <a:pPr algn="ctr"/>
             <a:endParaRPr lang="en-US"/>
+          </a:p>
+        </p:txBody>
+      </p:sp>
+      <p:sp>
+        <p:nvSpPr>
+          <p:cNvPr id="4" name="Triangle 3">
+            <a:extLst>
+              <a:ext uri="{FF2B5EF4-FFF2-40B4-BE49-F238E27FC236}">
+                <a16:creationId xmlns:a16="http://schemas.microsoft.com/office/drawing/2014/main" id="{2DA346C0-0105-FF47-86FD-EE87AA7874B3}"/>
+              </a:ext>
+            </a:extLst>
+          </p:cNvPr>
+          <p:cNvSpPr/>
+          <p:nvPr/>
+        </p:nvSpPr>
+        <p:spPr>
+          <a:xfrm rot="5400000">
+            <a:off x="5692147" y="1736669"/>
+            <a:ext cx="1895974" cy="5079106"/>
+          </a:xfrm>
+          <a:prstGeom prst="triangle">
+            <a:avLst>
+              <a:gd name="adj" fmla="val 99923"/>
+            </a:avLst>
+          </a:prstGeom>
+          <a:solidFill>
+            <a:srgbClr val="92D050">
+              <a:alpha val="50196"/>
+            </a:srgbClr>
+          </a:solidFill>
+          <a:ln>
+            <a:solidFill>
+              <a:srgbClr val="00B050"/>
+            </a:solidFill>
+          </a:ln>
+        </p:spPr>
+        <p:style>
+          <a:lnRef idx="2">
+            <a:schemeClr val="accent1">
+              <a:shade val="50000"/>
+            </a:schemeClr>
+          </a:lnRef>
+          <a:fillRef idx="1">
+            <a:schemeClr val="accent1"/>
+          </a:fillRef>
+          <a:effectRef idx="0">
+            <a:schemeClr val="accent1"/>
+          </a:effectRef>
+          <a:fontRef idx="minor">
+            <a:schemeClr val="lt1"/>
+          </a:fontRef>
+        </p:style>
+        <p:txBody>
+          <a:bodyPr rtlCol="0" anchor="ctr"/>
+          <a:lstStyle/>
+          <a:p>
+            <a:pPr algn="ctr"/>
+            <a:endParaRPr lang="en-US" dirty="0"/>
+          </a:p>
+        </p:txBody>
+      </p:sp>
+      <p:sp>
+        <p:nvSpPr>
+          <p:cNvPr id="18" name="Triangle 17">
+            <a:extLst>
+              <a:ext uri="{FF2B5EF4-FFF2-40B4-BE49-F238E27FC236}">
+                <a16:creationId xmlns:a16="http://schemas.microsoft.com/office/drawing/2014/main" id="{E87C3C85-F8C4-8441-A95D-22C5D1451DF6}"/>
+              </a:ext>
+            </a:extLst>
+          </p:cNvPr>
+          <p:cNvSpPr/>
+          <p:nvPr/>
+        </p:nvSpPr>
+        <p:spPr>
+          <a:xfrm rot="16200000">
+            <a:off x="6444760" y="1349023"/>
+            <a:ext cx="1895974" cy="5464694"/>
+          </a:xfrm>
+          <a:prstGeom prst="triangle">
+            <a:avLst>
+              <a:gd name="adj" fmla="val 100000"/>
+            </a:avLst>
+          </a:prstGeom>
+          <a:solidFill>
+            <a:srgbClr val="00B0F0">
+              <a:alpha val="50196"/>
+            </a:srgbClr>
+          </a:solidFill>
+          <a:ln>
+            <a:solidFill>
+              <a:srgbClr val="0070C0"/>
+            </a:solidFill>
+          </a:ln>
+        </p:spPr>
+        <p:style>
+          <a:lnRef idx="2">
+            <a:schemeClr val="accent1">
+              <a:shade val="50000"/>
+            </a:schemeClr>
+          </a:lnRef>
+          <a:fillRef idx="1">
+            <a:schemeClr val="accent1"/>
+          </a:fillRef>
+          <a:effectRef idx="0">
+            <a:schemeClr val="accent1"/>
+          </a:effectRef>
+          <a:fontRef idx="minor">
+            <a:schemeClr val="lt1"/>
+          </a:fontRef>
+        </p:style>
+        <p:txBody>
+          <a:bodyPr rtlCol="0" anchor="ctr"/>
+          <a:lstStyle/>
+          <a:p>
+            <a:pPr algn="ctr"/>
+            <a:endParaRPr lang="en-US" dirty="0"/>
           </a:p>
         </p:txBody>
       </p:sp>
